--- a/input/images-source/ePA DTR Interactions V2.3.pptx
+++ b/input/images-source/ePA DTR Interactions V2.3.pptx
@@ -4,11 +4,15 @@
   <p:sldMasterIdLst>
     <p:sldMasterId id="2147483648" r:id="rId1"/>
   </p:sldMasterIdLst>
+  <p:notesMasterIdLst>
+    <p:notesMasterId r:id="rId7"/>
+  </p:notesMasterIdLst>
   <p:sldIdLst>
     <p:sldId id="256" r:id="rId2"/>
     <p:sldId id="262" r:id="rId3"/>
     <p:sldId id="12413" r:id="rId4"/>
-    <p:sldId id="12416" r:id="rId5"/>
+    <p:sldId id="12417" r:id="rId5"/>
+    <p:sldId id="12416" r:id="rId6"/>
   </p:sldIdLst>
   <p:sldSz cx="12192000" cy="6858000"/>
   <p:notesSz cx="6858000" cy="9144000"/>
@@ -115,6 +119,355 @@
 </p:presentation>
 </file>
 
+<file path=ppt/notesMasters/notesMaster1.xml><?xml version="1.0" encoding="utf-8"?>
+<p:notesMaster xmlns:a="http://schemas.openxmlformats.org/drawingml/2006/main" xmlns:r="http://schemas.openxmlformats.org/officeDocument/2006/relationships" xmlns:p="http://schemas.openxmlformats.org/presentationml/2006/main">
+  <p:cSld>
+    <p:bg>
+      <p:bgRef idx="1001">
+        <a:schemeClr val="bg1"/>
+      </p:bgRef>
+    </p:bg>
+    <p:spTree>
+      <p:nvGrpSpPr>
+        <p:cNvPr id="1" name=""/>
+        <p:cNvGrpSpPr/>
+        <p:nvPr/>
+      </p:nvGrpSpPr>
+      <p:grpSpPr>
+        <a:xfrm>
+          <a:off x="0" y="0"/>
+          <a:ext cx="0" cy="0"/>
+          <a:chOff x="0" y="0"/>
+          <a:chExt cx="0" cy="0"/>
+        </a:xfrm>
+      </p:grpSpPr>
+      <p:sp>
+        <p:nvSpPr>
+          <p:cNvPr id="2" name="Header Placeholder 1"/>
+          <p:cNvSpPr>
+            <a:spLocks noGrp="1"/>
+          </p:cNvSpPr>
+          <p:nvPr>
+            <p:ph type="hdr" sz="quarter"/>
+          </p:nvPr>
+        </p:nvSpPr>
+        <p:spPr>
+          <a:xfrm>
+            <a:off x="0" y="0"/>
+            <a:ext cx="2971800" cy="458788"/>
+          </a:xfrm>
+          <a:prstGeom prst="rect">
+            <a:avLst/>
+          </a:prstGeom>
+        </p:spPr>
+        <p:txBody>
+          <a:bodyPr vert="horz" lIns="91440" tIns="45720" rIns="91440" bIns="45720" rtlCol="0"/>
+          <a:lstStyle>
+            <a:lvl1pPr algn="l">
+              <a:defRPr sz="1200"/>
+            </a:lvl1pPr>
+          </a:lstStyle>
+          <a:p>
+            <a:endParaRPr lang="en-US"/>
+          </a:p>
+        </p:txBody>
+      </p:sp>
+      <p:sp>
+        <p:nvSpPr>
+          <p:cNvPr id="3" name="Date Placeholder 2"/>
+          <p:cNvSpPr>
+            <a:spLocks noGrp="1"/>
+          </p:cNvSpPr>
+          <p:nvPr>
+            <p:ph type="dt" idx="1"/>
+          </p:nvPr>
+        </p:nvSpPr>
+        <p:spPr>
+          <a:xfrm>
+            <a:off x="3884613" y="0"/>
+            <a:ext cx="2971800" cy="458788"/>
+          </a:xfrm>
+          <a:prstGeom prst="rect">
+            <a:avLst/>
+          </a:prstGeom>
+        </p:spPr>
+        <p:txBody>
+          <a:bodyPr vert="horz" lIns="91440" tIns="45720" rIns="91440" bIns="45720" rtlCol="0"/>
+          <a:lstStyle>
+            <a:lvl1pPr algn="r">
+              <a:defRPr sz="1200"/>
+            </a:lvl1pPr>
+          </a:lstStyle>
+          <a:p>
+            <a:fld id="{5E0F2A87-DC9D-417A-8F4D-91FEFC50E012}" type="datetimeFigureOut">
+              <a:rPr lang="en-US" smtClean="0"/>
+              <a:t>11/7/2024</a:t>
+            </a:fld>
+            <a:endParaRPr lang="en-US"/>
+          </a:p>
+        </p:txBody>
+      </p:sp>
+      <p:sp>
+        <p:nvSpPr>
+          <p:cNvPr id="4" name="Slide Image Placeholder 3"/>
+          <p:cNvSpPr>
+            <a:spLocks noGrp="1" noRot="1" noChangeAspect="1"/>
+          </p:cNvSpPr>
+          <p:nvPr>
+            <p:ph type="sldImg" idx="2"/>
+          </p:nvPr>
+        </p:nvSpPr>
+        <p:spPr>
+          <a:xfrm>
+            <a:off x="685800" y="1143000"/>
+            <a:ext cx="5486400" cy="3086100"/>
+          </a:xfrm>
+          <a:prstGeom prst="rect">
+            <a:avLst/>
+          </a:prstGeom>
+          <a:noFill/>
+          <a:ln w="12700">
+            <a:solidFill>
+              <a:prstClr val="black"/>
+            </a:solidFill>
+          </a:ln>
+        </p:spPr>
+        <p:txBody>
+          <a:bodyPr vert="horz" lIns="91440" tIns="45720" rIns="91440" bIns="45720" rtlCol="0" anchor="ctr"/>
+          <a:lstStyle/>
+          <a:p>
+            <a:endParaRPr lang="en-US"/>
+          </a:p>
+        </p:txBody>
+      </p:sp>
+      <p:sp>
+        <p:nvSpPr>
+          <p:cNvPr id="5" name="Notes Placeholder 4"/>
+          <p:cNvSpPr>
+            <a:spLocks noGrp="1"/>
+          </p:cNvSpPr>
+          <p:nvPr>
+            <p:ph type="body" sz="quarter" idx="3"/>
+          </p:nvPr>
+        </p:nvSpPr>
+        <p:spPr>
+          <a:xfrm>
+            <a:off x="685800" y="4400550"/>
+            <a:ext cx="5486400" cy="3600450"/>
+          </a:xfrm>
+          <a:prstGeom prst="rect">
+            <a:avLst/>
+          </a:prstGeom>
+        </p:spPr>
+        <p:txBody>
+          <a:bodyPr vert="horz" lIns="91440" tIns="45720" rIns="91440" bIns="45720" rtlCol="0"/>
+          <a:lstStyle/>
+          <a:p>
+            <a:pPr lvl="0"/>
+            <a:r>
+              <a:rPr lang="en-US"/>
+              <a:t>Click to edit Master text styles</a:t>
+            </a:r>
+          </a:p>
+          <a:p>
+            <a:pPr lvl="1"/>
+            <a:r>
+              <a:rPr lang="en-US"/>
+              <a:t>Second level</a:t>
+            </a:r>
+          </a:p>
+          <a:p>
+            <a:pPr lvl="2"/>
+            <a:r>
+              <a:rPr lang="en-US"/>
+              <a:t>Third level</a:t>
+            </a:r>
+          </a:p>
+          <a:p>
+            <a:pPr lvl="3"/>
+            <a:r>
+              <a:rPr lang="en-US"/>
+              <a:t>Fourth level</a:t>
+            </a:r>
+          </a:p>
+          <a:p>
+            <a:pPr lvl="4"/>
+            <a:r>
+              <a:rPr lang="en-US"/>
+              <a:t>Fifth level</a:t>
+            </a:r>
+          </a:p>
+        </p:txBody>
+      </p:sp>
+      <p:sp>
+        <p:nvSpPr>
+          <p:cNvPr id="6" name="Footer Placeholder 5"/>
+          <p:cNvSpPr>
+            <a:spLocks noGrp="1"/>
+          </p:cNvSpPr>
+          <p:nvPr>
+            <p:ph type="ftr" sz="quarter" idx="4"/>
+          </p:nvPr>
+        </p:nvSpPr>
+        <p:spPr>
+          <a:xfrm>
+            <a:off x="0" y="8685213"/>
+            <a:ext cx="2971800" cy="458787"/>
+          </a:xfrm>
+          <a:prstGeom prst="rect">
+            <a:avLst/>
+          </a:prstGeom>
+        </p:spPr>
+        <p:txBody>
+          <a:bodyPr vert="horz" lIns="91440" tIns="45720" rIns="91440" bIns="45720" rtlCol="0" anchor="b"/>
+          <a:lstStyle>
+            <a:lvl1pPr algn="l">
+              <a:defRPr sz="1200"/>
+            </a:lvl1pPr>
+          </a:lstStyle>
+          <a:p>
+            <a:endParaRPr lang="en-US"/>
+          </a:p>
+        </p:txBody>
+      </p:sp>
+      <p:sp>
+        <p:nvSpPr>
+          <p:cNvPr id="7" name="Slide Number Placeholder 6"/>
+          <p:cNvSpPr>
+            <a:spLocks noGrp="1"/>
+          </p:cNvSpPr>
+          <p:nvPr>
+            <p:ph type="sldNum" sz="quarter" idx="5"/>
+          </p:nvPr>
+        </p:nvSpPr>
+        <p:spPr>
+          <a:xfrm>
+            <a:off x="3884613" y="8685213"/>
+            <a:ext cx="2971800" cy="458787"/>
+          </a:xfrm>
+          <a:prstGeom prst="rect">
+            <a:avLst/>
+          </a:prstGeom>
+        </p:spPr>
+        <p:txBody>
+          <a:bodyPr vert="horz" lIns="91440" tIns="45720" rIns="91440" bIns="45720" rtlCol="0" anchor="b"/>
+          <a:lstStyle>
+            <a:lvl1pPr algn="r">
+              <a:defRPr sz="1200"/>
+            </a:lvl1pPr>
+          </a:lstStyle>
+          <a:p>
+            <a:fld id="{F893C899-928E-45CB-95CB-153049C8E7F3}" type="slidenum">
+              <a:rPr lang="en-US" smtClean="0"/>
+              <a:t>‹#›</a:t>
+            </a:fld>
+            <a:endParaRPr lang="en-US"/>
+          </a:p>
+        </p:txBody>
+      </p:sp>
+    </p:spTree>
+    <p:extLst>
+      <p:ext uri="{BB962C8B-B14F-4D97-AF65-F5344CB8AC3E}">
+        <p14:creationId xmlns:p14="http://schemas.microsoft.com/office/powerpoint/2010/main" val="3793226664"/>
+      </p:ext>
+    </p:extLst>
+  </p:cSld>
+  <p:clrMap bg1="lt1" tx1="dk1" bg2="lt2" tx2="dk2" accent1="accent1" accent2="accent2" accent3="accent3" accent4="accent4" accent5="accent5" accent6="accent6" hlink="hlink" folHlink="folHlink"/>
+  <p:notesStyle>
+    <a:lvl1pPr marL="0" algn="l" defTabSz="914400" rtl="0" eaLnBrk="1" latinLnBrk="0" hangingPunct="1">
+      <a:defRPr sz="1200" kern="1200">
+        <a:solidFill>
+          <a:schemeClr val="tx1"/>
+        </a:solidFill>
+        <a:latin typeface="+mn-lt"/>
+        <a:ea typeface="+mn-ea"/>
+        <a:cs typeface="+mn-cs"/>
+      </a:defRPr>
+    </a:lvl1pPr>
+    <a:lvl2pPr marL="457200" algn="l" defTabSz="914400" rtl="0" eaLnBrk="1" latinLnBrk="0" hangingPunct="1">
+      <a:defRPr sz="1200" kern="1200">
+        <a:solidFill>
+          <a:schemeClr val="tx1"/>
+        </a:solidFill>
+        <a:latin typeface="+mn-lt"/>
+        <a:ea typeface="+mn-ea"/>
+        <a:cs typeface="+mn-cs"/>
+      </a:defRPr>
+    </a:lvl2pPr>
+    <a:lvl3pPr marL="914400" algn="l" defTabSz="914400" rtl="0" eaLnBrk="1" latinLnBrk="0" hangingPunct="1">
+      <a:defRPr sz="1200" kern="1200">
+        <a:solidFill>
+          <a:schemeClr val="tx1"/>
+        </a:solidFill>
+        <a:latin typeface="+mn-lt"/>
+        <a:ea typeface="+mn-ea"/>
+        <a:cs typeface="+mn-cs"/>
+      </a:defRPr>
+    </a:lvl3pPr>
+    <a:lvl4pPr marL="1371600" algn="l" defTabSz="914400" rtl="0" eaLnBrk="1" latinLnBrk="0" hangingPunct="1">
+      <a:defRPr sz="1200" kern="1200">
+        <a:solidFill>
+          <a:schemeClr val="tx1"/>
+        </a:solidFill>
+        <a:latin typeface="+mn-lt"/>
+        <a:ea typeface="+mn-ea"/>
+        <a:cs typeface="+mn-cs"/>
+      </a:defRPr>
+    </a:lvl4pPr>
+    <a:lvl5pPr marL="1828800" algn="l" defTabSz="914400" rtl="0" eaLnBrk="1" latinLnBrk="0" hangingPunct="1">
+      <a:defRPr sz="1200" kern="1200">
+        <a:solidFill>
+          <a:schemeClr val="tx1"/>
+        </a:solidFill>
+        <a:latin typeface="+mn-lt"/>
+        <a:ea typeface="+mn-ea"/>
+        <a:cs typeface="+mn-cs"/>
+      </a:defRPr>
+    </a:lvl5pPr>
+    <a:lvl6pPr marL="2286000" algn="l" defTabSz="914400" rtl="0" eaLnBrk="1" latinLnBrk="0" hangingPunct="1">
+      <a:defRPr sz="1200" kern="1200">
+        <a:solidFill>
+          <a:schemeClr val="tx1"/>
+        </a:solidFill>
+        <a:latin typeface="+mn-lt"/>
+        <a:ea typeface="+mn-ea"/>
+        <a:cs typeface="+mn-cs"/>
+      </a:defRPr>
+    </a:lvl6pPr>
+    <a:lvl7pPr marL="2743200" algn="l" defTabSz="914400" rtl="0" eaLnBrk="1" latinLnBrk="0" hangingPunct="1">
+      <a:defRPr sz="1200" kern="1200">
+        <a:solidFill>
+          <a:schemeClr val="tx1"/>
+        </a:solidFill>
+        <a:latin typeface="+mn-lt"/>
+        <a:ea typeface="+mn-ea"/>
+        <a:cs typeface="+mn-cs"/>
+      </a:defRPr>
+    </a:lvl7pPr>
+    <a:lvl8pPr marL="3200400" algn="l" defTabSz="914400" rtl="0" eaLnBrk="1" latinLnBrk="0" hangingPunct="1">
+      <a:defRPr sz="1200" kern="1200">
+        <a:solidFill>
+          <a:schemeClr val="tx1"/>
+        </a:solidFill>
+        <a:latin typeface="+mn-lt"/>
+        <a:ea typeface="+mn-ea"/>
+        <a:cs typeface="+mn-cs"/>
+      </a:defRPr>
+    </a:lvl8pPr>
+    <a:lvl9pPr marL="3657600" algn="l" defTabSz="914400" rtl="0" eaLnBrk="1" latinLnBrk="0" hangingPunct="1">
+      <a:defRPr sz="1200" kern="1200">
+        <a:solidFill>
+          <a:schemeClr val="tx1"/>
+        </a:solidFill>
+        <a:latin typeface="+mn-lt"/>
+        <a:ea typeface="+mn-ea"/>
+        <a:cs typeface="+mn-cs"/>
+      </a:defRPr>
+    </a:lvl9pPr>
+  </p:notesStyle>
+</p:notesMaster>
+</file>
+
 <file path=ppt/slideLayouts/slideLayout1.xml><?xml version="1.0" encoding="utf-8"?>
 <p:sldLayout xmlns:a="http://schemas.openxmlformats.org/drawingml/2006/main" xmlns:r="http://schemas.openxmlformats.org/officeDocument/2006/relationships" xmlns:p="http://schemas.openxmlformats.org/presentationml/2006/main" type="title" preserve="1">
   <p:cSld name="Title Slide">
@@ -262,7 +615,7 @@
           <a:p>
             <a:fld id="{A5689EA9-6595-4FA8-AE73-55A3BEBE2BAC}" type="datetimeFigureOut">
               <a:rPr lang="en-US" smtClean="0"/>
-              <a:t>9/1/2023</a:t>
+              <a:t>11/7/2024</a:t>
             </a:fld>
             <a:endParaRPr lang="en-US" dirty="0"/>
           </a:p>
@@ -460,7 +813,7 @@
           <a:p>
             <a:fld id="{A5689EA9-6595-4FA8-AE73-55A3BEBE2BAC}" type="datetimeFigureOut">
               <a:rPr lang="en-US" smtClean="0"/>
-              <a:t>9/1/2023</a:t>
+              <a:t>11/7/2024</a:t>
             </a:fld>
             <a:endParaRPr lang="en-US" dirty="0"/>
           </a:p>
@@ -668,7 +1021,7 @@
           <a:p>
             <a:fld id="{A5689EA9-6595-4FA8-AE73-55A3BEBE2BAC}" type="datetimeFigureOut">
               <a:rPr lang="en-US" smtClean="0"/>
-              <a:t>9/1/2023</a:t>
+              <a:t>11/7/2024</a:t>
             </a:fld>
             <a:endParaRPr lang="en-US" dirty="0"/>
           </a:p>
@@ -866,7 +1219,7 @@
           <a:p>
             <a:fld id="{A5689EA9-6595-4FA8-AE73-55A3BEBE2BAC}" type="datetimeFigureOut">
               <a:rPr lang="en-US" smtClean="0"/>
-              <a:t>9/1/2023</a:t>
+              <a:t>11/7/2024</a:t>
             </a:fld>
             <a:endParaRPr lang="en-US" dirty="0"/>
           </a:p>
@@ -1141,7 +1494,7 @@
           <a:p>
             <a:fld id="{A5689EA9-6595-4FA8-AE73-55A3BEBE2BAC}" type="datetimeFigureOut">
               <a:rPr lang="en-US" smtClean="0"/>
-              <a:t>9/1/2023</a:t>
+              <a:t>11/7/2024</a:t>
             </a:fld>
             <a:endParaRPr lang="en-US" dirty="0"/>
           </a:p>
@@ -1406,7 +1759,7 @@
           <a:p>
             <a:fld id="{A5689EA9-6595-4FA8-AE73-55A3BEBE2BAC}" type="datetimeFigureOut">
               <a:rPr lang="en-US" smtClean="0"/>
-              <a:t>9/1/2023</a:t>
+              <a:t>11/7/2024</a:t>
             </a:fld>
             <a:endParaRPr lang="en-US" dirty="0"/>
           </a:p>
@@ -1818,7 +2171,7 @@
           <a:p>
             <a:fld id="{A5689EA9-6595-4FA8-AE73-55A3BEBE2BAC}" type="datetimeFigureOut">
               <a:rPr lang="en-US" smtClean="0"/>
-              <a:t>9/1/2023</a:t>
+              <a:t>11/7/2024</a:t>
             </a:fld>
             <a:endParaRPr lang="en-US" dirty="0"/>
           </a:p>
@@ -1959,7 +2312,7 @@
           <a:p>
             <a:fld id="{A5689EA9-6595-4FA8-AE73-55A3BEBE2BAC}" type="datetimeFigureOut">
               <a:rPr lang="en-US" smtClean="0"/>
-              <a:t>9/1/2023</a:t>
+              <a:t>11/7/2024</a:t>
             </a:fld>
             <a:endParaRPr lang="en-US" dirty="0"/>
           </a:p>
@@ -2072,7 +2425,7 @@
           <a:p>
             <a:fld id="{A5689EA9-6595-4FA8-AE73-55A3BEBE2BAC}" type="datetimeFigureOut">
               <a:rPr lang="en-US" smtClean="0"/>
-              <a:t>9/1/2023</a:t>
+              <a:t>11/7/2024</a:t>
             </a:fld>
             <a:endParaRPr lang="en-US" dirty="0"/>
           </a:p>
@@ -2383,7 +2736,7 @@
           <a:p>
             <a:fld id="{A5689EA9-6595-4FA8-AE73-55A3BEBE2BAC}" type="datetimeFigureOut">
               <a:rPr lang="en-US" smtClean="0"/>
-              <a:t>9/1/2023</a:t>
+              <a:t>11/7/2024</a:t>
             </a:fld>
             <a:endParaRPr lang="en-US" dirty="0"/>
           </a:p>
@@ -2671,7 +3024,7 @@
           <a:p>
             <a:fld id="{A5689EA9-6595-4FA8-AE73-55A3BEBE2BAC}" type="datetimeFigureOut">
               <a:rPr lang="en-US" smtClean="0"/>
-              <a:t>9/1/2023</a:t>
+              <a:t>11/7/2024</a:t>
             </a:fld>
             <a:endParaRPr lang="en-US" dirty="0"/>
           </a:p>
@@ -2912,7 +3265,7 @@
           <a:p>
             <a:fld id="{A5689EA9-6595-4FA8-AE73-55A3BEBE2BAC}" type="datetimeFigureOut">
               <a:rPr lang="en-US" smtClean="0"/>
-              <a:t>9/1/2023</a:t>
+              <a:t>11/7/2024</a:t>
             </a:fld>
             <a:endParaRPr lang="en-US" dirty="0"/>
           </a:p>
@@ -12236,6 +12589,3831 @@
 </file>
 
 <file path=ppt/slides/slide4.xml><?xml version="1.0" encoding="utf-8"?>
+<p:sld xmlns:a="http://schemas.openxmlformats.org/drawingml/2006/main" xmlns:r="http://schemas.openxmlformats.org/officeDocument/2006/relationships" xmlns:p="http://schemas.openxmlformats.org/presentationml/2006/main">
+  <p:cSld>
+    <p:spTree>
+      <p:nvGrpSpPr>
+        <p:cNvPr id="1" name="">
+          <a:extLst>
+            <a:ext uri="{FF2B5EF4-FFF2-40B4-BE49-F238E27FC236}">
+              <a16:creationId xmlns:a16="http://schemas.microsoft.com/office/drawing/2014/main" id="{E9E55B63-DB01-461A-09F1-F89006BFCA43}"/>
+            </a:ext>
+          </a:extLst>
+        </p:cNvPr>
+        <p:cNvGrpSpPr/>
+        <p:nvPr/>
+      </p:nvGrpSpPr>
+      <p:grpSpPr>
+        <a:xfrm>
+          <a:off x="0" y="0"/>
+          <a:ext cx="0" cy="0"/>
+          <a:chOff x="0" y="0"/>
+          <a:chExt cx="0" cy="0"/>
+        </a:xfrm>
+      </p:grpSpPr>
+      <p:grpSp>
+        <p:nvGrpSpPr>
+          <p:cNvPr id="83" name="Group 82">
+            <a:extLst>
+              <a:ext uri="{FF2B5EF4-FFF2-40B4-BE49-F238E27FC236}">
+                <a16:creationId xmlns:a16="http://schemas.microsoft.com/office/drawing/2014/main" id="{92470468-B543-2BC0-4334-8572725C53D6}"/>
+              </a:ext>
+            </a:extLst>
+          </p:cNvPr>
+          <p:cNvGrpSpPr/>
+          <p:nvPr/>
+        </p:nvGrpSpPr>
+        <p:grpSpPr>
+          <a:xfrm>
+            <a:off x="1373209" y="895162"/>
+            <a:ext cx="2089624" cy="3523873"/>
+            <a:chOff x="336257" y="819746"/>
+            <a:chExt cx="2089624" cy="3523873"/>
+          </a:xfrm>
+        </p:grpSpPr>
+        <p:sp>
+          <p:nvSpPr>
+            <p:cNvPr id="81" name="Rectangle: Rounded Corners 80">
+              <a:extLst>
+                <a:ext uri="{FF2B5EF4-FFF2-40B4-BE49-F238E27FC236}">
+                  <a16:creationId xmlns:a16="http://schemas.microsoft.com/office/drawing/2014/main" id="{1DA81A73-4D9C-6EE1-DAEC-DBC806F86AE8}"/>
+                </a:ext>
+              </a:extLst>
+            </p:cNvPr>
+            <p:cNvSpPr/>
+            <p:nvPr/>
+          </p:nvSpPr>
+          <p:spPr>
+            <a:xfrm>
+              <a:off x="336257" y="819746"/>
+              <a:ext cx="2089624" cy="3523873"/>
+            </a:xfrm>
+            <a:prstGeom prst="roundRect">
+              <a:avLst/>
+            </a:prstGeom>
+            <a:gradFill>
+              <a:gsLst>
+                <a:gs pos="0">
+                  <a:schemeClr val="accent1">
+                    <a:lumMod val="5000"/>
+                    <a:lumOff val="95000"/>
+                  </a:schemeClr>
+                </a:gs>
+                <a:gs pos="74000">
+                  <a:schemeClr val="accent1">
+                    <a:lumMod val="20000"/>
+                    <a:lumOff val="80000"/>
+                  </a:schemeClr>
+                </a:gs>
+                <a:gs pos="100000">
+                  <a:schemeClr val="accent1">
+                    <a:lumMod val="30000"/>
+                    <a:lumOff val="70000"/>
+                  </a:schemeClr>
+                </a:gs>
+              </a:gsLst>
+              <a:lin ang="3000000" scaled="0"/>
+            </a:gradFill>
+            <a:ln>
+              <a:solidFill>
+                <a:schemeClr val="accent1">
+                  <a:lumMod val="40000"/>
+                  <a:lumOff val="60000"/>
+                </a:schemeClr>
+              </a:solidFill>
+            </a:ln>
+          </p:spPr>
+          <p:style>
+            <a:lnRef idx="2">
+              <a:schemeClr val="accent2">
+                <a:shade val="50000"/>
+              </a:schemeClr>
+            </a:lnRef>
+            <a:fillRef idx="1">
+              <a:schemeClr val="accent2"/>
+            </a:fillRef>
+            <a:effectRef idx="0">
+              <a:schemeClr val="accent2"/>
+            </a:effectRef>
+            <a:fontRef idx="minor">
+              <a:schemeClr val="lt1"/>
+            </a:fontRef>
+          </p:style>
+          <p:txBody>
+            <a:bodyPr rtlCol="0" anchor="ctr"/>
+            <a:lstStyle/>
+            <a:p>
+              <a:pPr marL="0" marR="0" lvl="0" indent="0" algn="ctr" defTabSz="914400" rtl="0" eaLnBrk="1" fontAlgn="auto" latinLnBrk="0" hangingPunct="1">
+                <a:lnSpc>
+                  <a:spcPct val="100000"/>
+                </a:lnSpc>
+                <a:spcBef>
+                  <a:spcPts val="0"/>
+                </a:spcBef>
+                <a:spcAft>
+                  <a:spcPts val="0"/>
+                </a:spcAft>
+                <a:buClrTx/>
+                <a:buSzTx/>
+                <a:buFontTx/>
+                <a:buNone/>
+                <a:tabLst/>
+                <a:defRPr/>
+              </a:pPr>
+              <a:endParaRPr kumimoji="0" lang="en-US" sz="1801" b="0" i="0" u="none" strike="noStrike" kern="1200" cap="none" spc="0" normalizeH="0" baseline="0" noProof="0">
+                <a:ln>
+                  <a:noFill/>
+                </a:ln>
+                <a:solidFill>
+                  <a:srgbClr val="FFFFFF"/>
+                </a:solidFill>
+                <a:effectLst/>
+                <a:uLnTx/>
+                <a:uFillTx/>
+                <a:latin typeface="Arial" panose="020B0604020202020204"/>
+                <a:ea typeface="+mn-ea"/>
+                <a:cs typeface="+mn-cs"/>
+              </a:endParaRPr>
+            </a:p>
+          </p:txBody>
+        </p:sp>
+        <p:sp>
+          <p:nvSpPr>
+            <p:cNvPr id="80" name="TextBox 79">
+              <a:extLst>
+                <a:ext uri="{FF2B5EF4-FFF2-40B4-BE49-F238E27FC236}">
+                  <a16:creationId xmlns:a16="http://schemas.microsoft.com/office/drawing/2014/main" id="{4BC4711A-CD5D-D30C-00ED-6074E4E74380}"/>
+                </a:ext>
+              </a:extLst>
+            </p:cNvPr>
+            <p:cNvSpPr txBox="1"/>
+            <p:nvPr/>
+          </p:nvSpPr>
+          <p:spPr>
+            <a:xfrm>
+              <a:off x="336257" y="833760"/>
+              <a:ext cx="2089623" cy="261610"/>
+            </a:xfrm>
+            <a:prstGeom prst="rect">
+              <a:avLst/>
+            </a:prstGeom>
+            <a:noFill/>
+          </p:spPr>
+          <p:txBody>
+            <a:bodyPr wrap="square">
+              <a:spAutoFit/>
+            </a:bodyPr>
+            <a:lstStyle/>
+            <a:p>
+              <a:pPr marL="0" marR="0" lvl="0" indent="0" algn="ctr" defTabSz="914400" rtl="0" eaLnBrk="1" fontAlgn="auto" latinLnBrk="0" hangingPunct="1">
+                <a:lnSpc>
+                  <a:spcPct val="100000"/>
+                </a:lnSpc>
+                <a:spcBef>
+                  <a:spcPts val="1200"/>
+                </a:spcBef>
+                <a:spcAft>
+                  <a:spcPts val="0"/>
+                </a:spcAft>
+                <a:buClrTx/>
+                <a:buSzTx/>
+                <a:buFontTx/>
+                <a:buNone/>
+                <a:tabLst/>
+                <a:defRPr/>
+              </a:pPr>
+              <a:r>
+                <a:rPr kumimoji="0" lang="en-US" sz="1100" b="1" i="0" u="none" strike="noStrike" kern="1200" cap="none" spc="0" normalizeH="0" baseline="0" noProof="0" dirty="0">
+                  <a:ln>
+                    <a:noFill/>
+                  </a:ln>
+                  <a:solidFill>
+                    <a:schemeClr val="accent1">
+                      <a:lumMod val="50000"/>
+                    </a:schemeClr>
+                  </a:solidFill>
+                  <a:effectLst/>
+                  <a:uLnTx/>
+                  <a:uFillTx/>
+                  <a:latin typeface="Arial" panose="020B0604020202020204"/>
+                  <a:ea typeface="+mn-ea"/>
+                  <a:cs typeface="+mn-cs"/>
+                </a:rPr>
+                <a:t>Provider Systems</a:t>
+              </a:r>
+            </a:p>
+          </p:txBody>
+        </p:sp>
+      </p:grpSp>
+      <p:sp>
+        <p:nvSpPr>
+          <p:cNvPr id="13" name="Rectangle 12">
+            <a:extLst>
+              <a:ext uri="{FF2B5EF4-FFF2-40B4-BE49-F238E27FC236}">
+                <a16:creationId xmlns:a16="http://schemas.microsoft.com/office/drawing/2014/main" id="{6F63083A-11E7-063A-8FB0-3B65D098AE53}"/>
+              </a:ext>
+            </a:extLst>
+          </p:cNvPr>
+          <p:cNvSpPr/>
+          <p:nvPr/>
+        </p:nvSpPr>
+        <p:spPr>
+          <a:xfrm>
+            <a:off x="7796018" y="1170786"/>
+            <a:ext cx="2761999" cy="3158290"/>
+          </a:xfrm>
+          <a:prstGeom prst="rect">
+            <a:avLst/>
+          </a:prstGeom>
+          <a:gradFill flip="none" rotWithShape="1">
+            <a:gsLst>
+              <a:gs pos="0">
+                <a:schemeClr val="accent4">
+                  <a:lumMod val="20000"/>
+                  <a:lumOff val="80000"/>
+                </a:schemeClr>
+              </a:gs>
+              <a:gs pos="97000">
+                <a:srgbClr val="FFF8E5"/>
+              </a:gs>
+            </a:gsLst>
+            <a:lin ang="5400000" scaled="1"/>
+            <a:tileRect/>
+          </a:gradFill>
+          <a:ln>
+            <a:solidFill>
+              <a:schemeClr val="tx1"/>
+            </a:solidFill>
+          </a:ln>
+          <a:effectLst>
+            <a:outerShdw blurRad="50800" dist="38100" dir="2700000" algn="tl" rotWithShape="0">
+              <a:prstClr val="black">
+                <a:alpha val="40000"/>
+              </a:prstClr>
+            </a:outerShdw>
+          </a:effectLst>
+        </p:spPr>
+        <p:style>
+          <a:lnRef idx="2">
+            <a:schemeClr val="accent2">
+              <a:shade val="50000"/>
+            </a:schemeClr>
+          </a:lnRef>
+          <a:fillRef idx="1">
+            <a:schemeClr val="accent2"/>
+          </a:fillRef>
+          <a:effectRef idx="0">
+            <a:schemeClr val="accent2"/>
+          </a:effectRef>
+          <a:fontRef idx="minor">
+            <a:schemeClr val="lt1"/>
+          </a:fontRef>
+        </p:style>
+        <p:txBody>
+          <a:bodyPr rtlCol="0" anchor="t"/>
+          <a:lstStyle/>
+          <a:p>
+            <a:pPr marL="0" marR="0" lvl="0" indent="0" algn="ctr" defTabSz="914400" rtl="0" eaLnBrk="1" fontAlgn="auto" latinLnBrk="0" hangingPunct="1">
+              <a:lnSpc>
+                <a:spcPct val="100000"/>
+              </a:lnSpc>
+              <a:spcBef>
+                <a:spcPts val="1200"/>
+              </a:spcBef>
+              <a:spcAft>
+                <a:spcPts val="0"/>
+              </a:spcAft>
+              <a:buClrTx/>
+              <a:buSzTx/>
+              <a:buFontTx/>
+              <a:buNone/>
+              <a:tabLst/>
+              <a:defRPr/>
+            </a:pPr>
+            <a:endParaRPr kumimoji="0" lang="en-US" sz="1400" b="1" i="0" u="none" strike="noStrike" kern="1200" cap="none" spc="0" normalizeH="0" baseline="0" noProof="0" dirty="0">
+              <a:ln>
+                <a:noFill/>
+              </a:ln>
+              <a:solidFill>
+                <a:schemeClr val="tx1"/>
+              </a:solidFill>
+              <a:effectLst/>
+              <a:uLnTx/>
+              <a:uFillTx/>
+              <a:latin typeface="Arial" panose="020B0604020202020204"/>
+              <a:ea typeface="+mn-ea"/>
+              <a:cs typeface="+mn-cs"/>
+            </a:endParaRPr>
+          </a:p>
+        </p:txBody>
+      </p:sp>
+      <p:sp>
+        <p:nvSpPr>
+          <p:cNvPr id="23" name="TextBox 22">
+            <a:extLst>
+              <a:ext uri="{FF2B5EF4-FFF2-40B4-BE49-F238E27FC236}">
+                <a16:creationId xmlns:a16="http://schemas.microsoft.com/office/drawing/2014/main" id="{FF0983CE-14FE-F5B8-5204-F29FD8B08696}"/>
+              </a:ext>
+            </a:extLst>
+          </p:cNvPr>
+          <p:cNvSpPr txBox="1"/>
+          <p:nvPr/>
+        </p:nvSpPr>
+        <p:spPr>
+          <a:xfrm>
+            <a:off x="7810147" y="1200687"/>
+            <a:ext cx="2391176" cy="307777"/>
+          </a:xfrm>
+          <a:prstGeom prst="rect">
+            <a:avLst/>
+          </a:prstGeom>
+          <a:noFill/>
+        </p:spPr>
+        <p:txBody>
+          <a:bodyPr wrap="square">
+            <a:spAutoFit/>
+          </a:bodyPr>
+          <a:lstStyle/>
+          <a:p>
+            <a:pPr marL="0" marR="0" lvl="0" indent="0" algn="ctr" defTabSz="914400" rtl="0" eaLnBrk="1" fontAlgn="auto" latinLnBrk="0" hangingPunct="1">
+              <a:lnSpc>
+                <a:spcPct val="100000"/>
+              </a:lnSpc>
+              <a:spcBef>
+                <a:spcPts val="1200"/>
+              </a:spcBef>
+              <a:spcAft>
+                <a:spcPts val="0"/>
+              </a:spcAft>
+              <a:buClrTx/>
+              <a:buSzTx/>
+              <a:buFontTx/>
+              <a:buNone/>
+              <a:tabLst/>
+              <a:defRPr/>
+            </a:pPr>
+            <a:r>
+              <a:rPr kumimoji="0" lang="en-US" sz="1400" b="1" i="0" u="none" strike="noStrike" kern="1200" cap="none" spc="0" normalizeH="0" baseline="0" noProof="0" dirty="0">
+                <a:ln>
+                  <a:noFill/>
+                </a:ln>
+                <a:solidFill>
+                  <a:schemeClr val="accent1">
+                    <a:lumMod val="75000"/>
+                  </a:schemeClr>
+                </a:solidFill>
+                <a:effectLst/>
+                <a:uLnTx/>
+                <a:uFillTx/>
+                <a:latin typeface="Arial" panose="020B0604020202020204"/>
+                <a:ea typeface="+mn-ea"/>
+                <a:cs typeface="+mn-cs"/>
+              </a:rPr>
+              <a:t>Provider </a:t>
+            </a:r>
+            <a:r>
+              <a:rPr kumimoji="0" lang="en-US" sz="1400" b="1" i="0" u="none" strike="noStrike" kern="1200" cap="none" spc="0" normalizeH="0" baseline="0" noProof="0" dirty="0" err="1">
+                <a:ln>
+                  <a:noFill/>
+                </a:ln>
+                <a:solidFill>
+                  <a:schemeClr val="accent1">
+                    <a:lumMod val="75000"/>
+                  </a:schemeClr>
+                </a:solidFill>
+                <a:effectLst/>
+                <a:uLnTx/>
+                <a:uFillTx/>
+                <a:latin typeface="Arial" panose="020B0604020202020204"/>
+                <a:ea typeface="+mn-ea"/>
+                <a:cs typeface="+mn-cs"/>
+              </a:rPr>
+              <a:t>ePA</a:t>
+            </a:r>
+            <a:r>
+              <a:rPr kumimoji="0" lang="en-US" sz="1400" b="1" i="0" u="none" strike="noStrike" kern="1200" cap="none" spc="0" normalizeH="0" baseline="0" noProof="0" dirty="0">
+                <a:ln>
+                  <a:noFill/>
+                </a:ln>
+                <a:solidFill>
+                  <a:schemeClr val="accent1">
+                    <a:lumMod val="75000"/>
+                  </a:schemeClr>
+                </a:solidFill>
+                <a:effectLst/>
+                <a:uLnTx/>
+                <a:uFillTx/>
+                <a:latin typeface="Arial" panose="020B0604020202020204"/>
+                <a:ea typeface="+mn-ea"/>
+                <a:cs typeface="+mn-cs"/>
+              </a:rPr>
+              <a:t> Coordinator</a:t>
+            </a:r>
+          </a:p>
+        </p:txBody>
+      </p:sp>
+      <p:sp>
+        <p:nvSpPr>
+          <p:cNvPr id="24" name="Rectangle 23">
+            <a:extLst>
+              <a:ext uri="{FF2B5EF4-FFF2-40B4-BE49-F238E27FC236}">
+                <a16:creationId xmlns:a16="http://schemas.microsoft.com/office/drawing/2014/main" id="{3A10DBAC-9B10-123A-2DC2-1C64647D8474}"/>
+              </a:ext>
+            </a:extLst>
+          </p:cNvPr>
+          <p:cNvSpPr/>
+          <p:nvPr/>
+        </p:nvSpPr>
+        <p:spPr>
+          <a:xfrm>
+            <a:off x="7823836" y="1496225"/>
+            <a:ext cx="278417" cy="1126799"/>
+          </a:xfrm>
+          <a:prstGeom prst="rect">
+            <a:avLst/>
+          </a:prstGeom>
+          <a:solidFill>
+            <a:schemeClr val="bg1"/>
+          </a:solidFill>
+          <a:ln>
+            <a:solidFill>
+              <a:schemeClr val="accent2">
+                <a:lumMod val="50000"/>
+              </a:schemeClr>
+            </a:solidFill>
+          </a:ln>
+        </p:spPr>
+        <p:style>
+          <a:lnRef idx="2">
+            <a:schemeClr val="accent1">
+              <a:shade val="15000"/>
+            </a:schemeClr>
+          </a:lnRef>
+          <a:fillRef idx="1">
+            <a:schemeClr val="accent1"/>
+          </a:fillRef>
+          <a:effectRef idx="0">
+            <a:schemeClr val="accent1"/>
+          </a:effectRef>
+          <a:fontRef idx="minor">
+            <a:schemeClr val="lt1"/>
+          </a:fontRef>
+        </p:style>
+        <p:txBody>
+          <a:bodyPr rtlCol="0" anchor="t"/>
+          <a:lstStyle/>
+          <a:p>
+            <a:pPr algn="ctr">
+              <a:lnSpc>
+                <a:spcPts val="1600"/>
+              </a:lnSpc>
+            </a:pPr>
+            <a:r>
+              <a:rPr lang="en-US" sz="1600" dirty="0">
+                <a:solidFill>
+                  <a:schemeClr val="tx1"/>
+                </a:solidFill>
+              </a:rPr>
+              <a:t>Setup</a:t>
+            </a:r>
+          </a:p>
+        </p:txBody>
+      </p:sp>
+      <p:sp>
+        <p:nvSpPr>
+          <p:cNvPr id="14" name="TextBox 13">
+            <a:extLst>
+              <a:ext uri="{FF2B5EF4-FFF2-40B4-BE49-F238E27FC236}">
+                <a16:creationId xmlns:a16="http://schemas.microsoft.com/office/drawing/2014/main" id="{40129B03-0157-2BC9-6012-3F149AECB276}"/>
+              </a:ext>
+            </a:extLst>
+          </p:cNvPr>
+          <p:cNvSpPr txBox="1"/>
+          <p:nvPr/>
+        </p:nvSpPr>
+        <p:spPr>
+          <a:xfrm>
+            <a:off x="4395615" y="1195753"/>
+            <a:ext cx="2240280" cy="461665"/>
+          </a:xfrm>
+          <a:prstGeom prst="rect">
+            <a:avLst/>
+          </a:prstGeom>
+          <a:noFill/>
+        </p:spPr>
+        <p:txBody>
+          <a:bodyPr wrap="square" rtlCol="0">
+            <a:spAutoFit/>
+          </a:bodyPr>
+          <a:lstStyle/>
+          <a:p>
+            <a:pPr algn="ctr"/>
+            <a:r>
+              <a:rPr lang="en-US" sz="1200" dirty="0"/>
+              <a:t>Initiate DTR </a:t>
+            </a:r>
+          </a:p>
+          <a:p>
+            <a:pPr algn="ctr"/>
+            <a:r>
+              <a:rPr lang="en-US" sz="1200" dirty="0"/>
+              <a:t>(authenticate and context)</a:t>
+            </a:r>
+          </a:p>
+        </p:txBody>
+      </p:sp>
+      <p:sp>
+        <p:nvSpPr>
+          <p:cNvPr id="15" name="TextBox 14">
+            <a:extLst>
+              <a:ext uri="{FF2B5EF4-FFF2-40B4-BE49-F238E27FC236}">
+                <a16:creationId xmlns:a16="http://schemas.microsoft.com/office/drawing/2014/main" id="{768E0767-3D55-1FD3-ECB4-C0BAA6165AD9}"/>
+              </a:ext>
+            </a:extLst>
+          </p:cNvPr>
+          <p:cNvSpPr txBox="1"/>
+          <p:nvPr/>
+        </p:nvSpPr>
+        <p:spPr>
+          <a:xfrm>
+            <a:off x="4395615" y="1689738"/>
+            <a:ext cx="2240280" cy="461665"/>
+          </a:xfrm>
+          <a:prstGeom prst="rect">
+            <a:avLst/>
+          </a:prstGeom>
+          <a:noFill/>
+        </p:spPr>
+        <p:txBody>
+          <a:bodyPr wrap="square" rtlCol="0">
+            <a:spAutoFit/>
+          </a:bodyPr>
+          <a:lstStyle/>
+          <a:p>
+            <a:pPr algn="ctr"/>
+            <a:r>
+              <a:rPr lang="en-US" sz="1200" dirty="0"/>
+              <a:t>Access to FHIR API</a:t>
+            </a:r>
+          </a:p>
+          <a:p>
+            <a:pPr algn="ctr"/>
+            <a:r>
+              <a:rPr lang="en-US" sz="1200" dirty="0"/>
+              <a:t>(token or separate authorization)</a:t>
+            </a:r>
+          </a:p>
+        </p:txBody>
+      </p:sp>
+      <p:sp>
+        <p:nvSpPr>
+          <p:cNvPr id="16" name="TextBox 15">
+            <a:extLst>
+              <a:ext uri="{FF2B5EF4-FFF2-40B4-BE49-F238E27FC236}">
+                <a16:creationId xmlns:a16="http://schemas.microsoft.com/office/drawing/2014/main" id="{8EB65148-57F2-DBCF-29AA-DCC2359B5C4C}"/>
+              </a:ext>
+            </a:extLst>
+          </p:cNvPr>
+          <p:cNvSpPr txBox="1"/>
+          <p:nvPr/>
+        </p:nvSpPr>
+        <p:spPr>
+          <a:xfrm>
+            <a:off x="4395615" y="2294644"/>
+            <a:ext cx="2240280" cy="461665"/>
+          </a:xfrm>
+          <a:prstGeom prst="rect">
+            <a:avLst/>
+          </a:prstGeom>
+          <a:noFill/>
+        </p:spPr>
+        <p:txBody>
+          <a:bodyPr wrap="square" rtlCol="0">
+            <a:spAutoFit/>
+          </a:bodyPr>
+          <a:lstStyle/>
+          <a:p>
+            <a:pPr algn="ctr"/>
+            <a:r>
+              <a:rPr lang="en-US" sz="1200" dirty="0"/>
+              <a:t>Retrieve context</a:t>
+            </a:r>
+          </a:p>
+          <a:p>
+            <a:pPr algn="ctr"/>
+            <a:endParaRPr lang="en-US" sz="1200" dirty="0"/>
+          </a:p>
+        </p:txBody>
+      </p:sp>
+      <p:cxnSp>
+        <p:nvCxnSpPr>
+          <p:cNvPr id="17" name="Straight Arrow Connector 16">
+            <a:extLst>
+              <a:ext uri="{FF2B5EF4-FFF2-40B4-BE49-F238E27FC236}">
+                <a16:creationId xmlns:a16="http://schemas.microsoft.com/office/drawing/2014/main" id="{4C58536A-46D6-7B8F-F844-8C87BEA0C2F5}"/>
+              </a:ext>
+            </a:extLst>
+          </p:cNvPr>
+          <p:cNvCxnSpPr>
+            <a:cxnSpLocks/>
+          </p:cNvCxnSpPr>
+          <p:nvPr/>
+        </p:nvCxnSpPr>
+        <p:spPr>
+          <a:xfrm flipH="1">
+            <a:off x="2835813" y="3818664"/>
+            <a:ext cx="4937760" cy="0"/>
+          </a:xfrm>
+          <a:prstGeom prst="straightConnector1">
+            <a:avLst/>
+          </a:prstGeom>
+          <a:ln w="28575">
+            <a:solidFill>
+              <a:srgbClr val="0070C0"/>
+            </a:solidFill>
+            <a:tailEnd type="triangle"/>
+          </a:ln>
+        </p:spPr>
+        <p:style>
+          <a:lnRef idx="1">
+            <a:schemeClr val="accent1"/>
+          </a:lnRef>
+          <a:fillRef idx="0">
+            <a:schemeClr val="accent1"/>
+          </a:fillRef>
+          <a:effectRef idx="0">
+            <a:schemeClr val="accent1"/>
+          </a:effectRef>
+          <a:fontRef idx="minor">
+            <a:schemeClr val="tx1"/>
+          </a:fontRef>
+        </p:style>
+      </p:cxnSp>
+      <p:cxnSp>
+        <p:nvCxnSpPr>
+          <p:cNvPr id="18" name="Straight Arrow Connector 17">
+            <a:extLst>
+              <a:ext uri="{FF2B5EF4-FFF2-40B4-BE49-F238E27FC236}">
+                <a16:creationId xmlns:a16="http://schemas.microsoft.com/office/drawing/2014/main" id="{B69504D0-46B5-8329-70F8-97FE8288F6B3}"/>
+              </a:ext>
+            </a:extLst>
+          </p:cNvPr>
+          <p:cNvCxnSpPr>
+            <a:cxnSpLocks/>
+          </p:cNvCxnSpPr>
+          <p:nvPr/>
+        </p:nvCxnSpPr>
+        <p:spPr>
+          <a:xfrm>
+            <a:off x="2835813" y="1425632"/>
+            <a:ext cx="4937760" cy="0"/>
+          </a:xfrm>
+          <a:prstGeom prst="straightConnector1">
+            <a:avLst/>
+          </a:prstGeom>
+          <a:ln w="28575">
+            <a:solidFill>
+              <a:srgbClr val="0070C0"/>
+            </a:solidFill>
+            <a:tailEnd type="triangle"/>
+          </a:ln>
+        </p:spPr>
+        <p:style>
+          <a:lnRef idx="1">
+            <a:schemeClr val="accent1"/>
+          </a:lnRef>
+          <a:fillRef idx="0">
+            <a:schemeClr val="accent1"/>
+          </a:fillRef>
+          <a:effectRef idx="0">
+            <a:schemeClr val="accent1"/>
+          </a:effectRef>
+          <a:fontRef idx="minor">
+            <a:schemeClr val="tx1"/>
+          </a:fontRef>
+        </p:style>
+      </p:cxnSp>
+      <p:cxnSp>
+        <p:nvCxnSpPr>
+          <p:cNvPr id="19" name="Straight Arrow Connector 18">
+            <a:extLst>
+              <a:ext uri="{FF2B5EF4-FFF2-40B4-BE49-F238E27FC236}">
+                <a16:creationId xmlns:a16="http://schemas.microsoft.com/office/drawing/2014/main" id="{F2A48D64-8843-7D0D-B8E4-7B25F5A7054D}"/>
+              </a:ext>
+            </a:extLst>
+          </p:cNvPr>
+          <p:cNvCxnSpPr>
+            <a:cxnSpLocks/>
+          </p:cNvCxnSpPr>
+          <p:nvPr/>
+        </p:nvCxnSpPr>
+        <p:spPr>
+          <a:xfrm>
+            <a:off x="2835813" y="2540414"/>
+            <a:ext cx="4937760" cy="0"/>
+          </a:xfrm>
+          <a:prstGeom prst="straightConnector1">
+            <a:avLst/>
+          </a:prstGeom>
+          <a:ln w="28575">
+            <a:solidFill>
+              <a:srgbClr val="0070C0"/>
+            </a:solidFill>
+            <a:headEnd type="triangle"/>
+            <a:tailEnd type="triangle"/>
+          </a:ln>
+        </p:spPr>
+        <p:style>
+          <a:lnRef idx="1">
+            <a:schemeClr val="accent1"/>
+          </a:lnRef>
+          <a:fillRef idx="0">
+            <a:schemeClr val="accent1"/>
+          </a:fillRef>
+          <a:effectRef idx="0">
+            <a:schemeClr val="accent1"/>
+          </a:effectRef>
+          <a:fontRef idx="minor">
+            <a:schemeClr val="tx1"/>
+          </a:fontRef>
+        </p:style>
+      </p:cxnSp>
+      <p:sp>
+        <p:nvSpPr>
+          <p:cNvPr id="20" name="TextBox 19">
+            <a:extLst>
+              <a:ext uri="{FF2B5EF4-FFF2-40B4-BE49-F238E27FC236}">
+                <a16:creationId xmlns:a16="http://schemas.microsoft.com/office/drawing/2014/main" id="{B4A35319-C10F-7004-8DE0-127C95459916}"/>
+              </a:ext>
+            </a:extLst>
+          </p:cNvPr>
+          <p:cNvSpPr txBox="1"/>
+          <p:nvPr/>
+        </p:nvSpPr>
+        <p:spPr>
+          <a:xfrm>
+            <a:off x="4395615" y="3583633"/>
+            <a:ext cx="2240280" cy="461665"/>
+          </a:xfrm>
+          <a:prstGeom prst="rect">
+            <a:avLst/>
+          </a:prstGeom>
+          <a:noFill/>
+        </p:spPr>
+        <p:txBody>
+          <a:bodyPr wrap="square" rtlCol="0">
+            <a:spAutoFit/>
+          </a:bodyPr>
+          <a:lstStyle/>
+          <a:p>
+            <a:pPr algn="ctr"/>
+            <a:r>
+              <a:rPr lang="en-US" sz="1200" dirty="0"/>
+              <a:t>Store </a:t>
+            </a:r>
+            <a:r>
+              <a:rPr lang="en-US" sz="1200" dirty="0" err="1"/>
+              <a:t>QuestionnaireResponse</a:t>
+            </a:r>
+            <a:endParaRPr lang="en-US" sz="1200" dirty="0"/>
+          </a:p>
+          <a:p>
+            <a:pPr algn="ctr"/>
+            <a:r>
+              <a:rPr lang="en-US" sz="1200" dirty="0"/>
+              <a:t>With references to resources</a:t>
+            </a:r>
+          </a:p>
+        </p:txBody>
+      </p:sp>
+      <p:cxnSp>
+        <p:nvCxnSpPr>
+          <p:cNvPr id="21" name="Straight Arrow Connector 20">
+            <a:extLst>
+              <a:ext uri="{FF2B5EF4-FFF2-40B4-BE49-F238E27FC236}">
+                <a16:creationId xmlns:a16="http://schemas.microsoft.com/office/drawing/2014/main" id="{CF467226-717D-8F12-17AB-24C96FFA70AC}"/>
+              </a:ext>
+            </a:extLst>
+          </p:cNvPr>
+          <p:cNvCxnSpPr>
+            <a:cxnSpLocks/>
+          </p:cNvCxnSpPr>
+          <p:nvPr/>
+        </p:nvCxnSpPr>
+        <p:spPr>
+          <a:xfrm flipH="1">
+            <a:off x="2835813" y="1912097"/>
+            <a:ext cx="4937760" cy="0"/>
+          </a:xfrm>
+          <a:prstGeom prst="straightConnector1">
+            <a:avLst/>
+          </a:prstGeom>
+          <a:ln w="28575">
+            <a:solidFill>
+              <a:srgbClr val="0070C0"/>
+            </a:solidFill>
+            <a:tailEnd type="triangle"/>
+          </a:ln>
+        </p:spPr>
+        <p:style>
+          <a:lnRef idx="1">
+            <a:schemeClr val="accent1"/>
+          </a:lnRef>
+          <a:fillRef idx="0">
+            <a:schemeClr val="accent1"/>
+          </a:fillRef>
+          <a:effectRef idx="0">
+            <a:schemeClr val="accent1"/>
+          </a:effectRef>
+          <a:fontRef idx="minor">
+            <a:schemeClr val="tx1"/>
+          </a:fontRef>
+        </p:style>
+      </p:cxnSp>
+      <p:sp>
+        <p:nvSpPr>
+          <p:cNvPr id="66" name="TextBox 65">
+            <a:extLst>
+              <a:ext uri="{FF2B5EF4-FFF2-40B4-BE49-F238E27FC236}">
+                <a16:creationId xmlns:a16="http://schemas.microsoft.com/office/drawing/2014/main" id="{003BB864-79AC-6360-F181-CDE9F4EC2C70}"/>
+              </a:ext>
+            </a:extLst>
+          </p:cNvPr>
+          <p:cNvSpPr txBox="1"/>
+          <p:nvPr/>
+        </p:nvSpPr>
+        <p:spPr>
+          <a:xfrm>
+            <a:off x="4395615" y="2929484"/>
+            <a:ext cx="2240280" cy="461665"/>
+          </a:xfrm>
+          <a:prstGeom prst="rect">
+            <a:avLst/>
+          </a:prstGeom>
+          <a:noFill/>
+        </p:spPr>
+        <p:txBody>
+          <a:bodyPr wrap="square" rtlCol="0">
+            <a:spAutoFit/>
+          </a:bodyPr>
+          <a:lstStyle/>
+          <a:p>
+            <a:pPr algn="ctr"/>
+            <a:r>
+              <a:rPr lang="en-US" sz="1200" dirty="0"/>
+              <a:t>Retrieve clinical and</a:t>
+            </a:r>
+          </a:p>
+          <a:p>
+            <a:pPr algn="ctr"/>
+            <a:r>
+              <a:rPr lang="en-US" sz="1200" dirty="0"/>
+              <a:t>Administrative info</a:t>
+            </a:r>
+          </a:p>
+        </p:txBody>
+      </p:sp>
+      <p:cxnSp>
+        <p:nvCxnSpPr>
+          <p:cNvPr id="67" name="Straight Arrow Connector 66">
+            <a:extLst>
+              <a:ext uri="{FF2B5EF4-FFF2-40B4-BE49-F238E27FC236}">
+                <a16:creationId xmlns:a16="http://schemas.microsoft.com/office/drawing/2014/main" id="{08E9AC3C-8644-5F07-04FF-A4CFB02EE8E5}"/>
+              </a:ext>
+            </a:extLst>
+          </p:cNvPr>
+          <p:cNvCxnSpPr>
+            <a:cxnSpLocks/>
+          </p:cNvCxnSpPr>
+          <p:nvPr/>
+        </p:nvCxnSpPr>
+        <p:spPr>
+          <a:xfrm>
+            <a:off x="2835813" y="3162862"/>
+            <a:ext cx="4937760" cy="0"/>
+          </a:xfrm>
+          <a:prstGeom prst="straightConnector1">
+            <a:avLst/>
+          </a:prstGeom>
+          <a:ln w="28575">
+            <a:solidFill>
+              <a:srgbClr val="0070C0"/>
+            </a:solidFill>
+            <a:headEnd type="triangle"/>
+            <a:tailEnd type="triangle"/>
+          </a:ln>
+        </p:spPr>
+        <p:style>
+          <a:lnRef idx="1">
+            <a:schemeClr val="accent1"/>
+          </a:lnRef>
+          <a:fillRef idx="0">
+            <a:schemeClr val="accent1"/>
+          </a:fillRef>
+          <a:effectRef idx="0">
+            <a:schemeClr val="accent1"/>
+          </a:effectRef>
+          <a:fontRef idx="minor">
+            <a:schemeClr val="tx1"/>
+          </a:fontRef>
+        </p:style>
+      </p:cxnSp>
+      <p:cxnSp>
+        <p:nvCxnSpPr>
+          <p:cNvPr id="72" name="Straight Arrow Connector 71">
+            <a:extLst>
+              <a:ext uri="{FF2B5EF4-FFF2-40B4-BE49-F238E27FC236}">
+                <a16:creationId xmlns:a16="http://schemas.microsoft.com/office/drawing/2014/main" id="{FCD710F4-946D-2C7F-8C1C-1FC78BC1C275}"/>
+              </a:ext>
+            </a:extLst>
+          </p:cNvPr>
+          <p:cNvCxnSpPr>
+            <a:cxnSpLocks/>
+          </p:cNvCxnSpPr>
+          <p:nvPr/>
+        </p:nvCxnSpPr>
+        <p:spPr>
+          <a:xfrm flipV="1">
+            <a:off x="8115942" y="1583705"/>
+            <a:ext cx="2442075" cy="463312"/>
+          </a:xfrm>
+          <a:prstGeom prst="straightConnector1">
+            <a:avLst/>
+          </a:prstGeom>
+          <a:ln w="34925">
+            <a:solidFill>
+              <a:schemeClr val="tx1"/>
+            </a:solidFill>
+            <a:tailEnd type="triangle"/>
+          </a:ln>
+        </p:spPr>
+        <p:style>
+          <a:lnRef idx="1">
+            <a:schemeClr val="accent1"/>
+          </a:lnRef>
+          <a:fillRef idx="0">
+            <a:schemeClr val="accent1"/>
+          </a:fillRef>
+          <a:effectRef idx="0">
+            <a:schemeClr val="accent1"/>
+          </a:effectRef>
+          <a:fontRef idx="minor">
+            <a:schemeClr val="tx1"/>
+          </a:fontRef>
+        </p:style>
+      </p:cxnSp>
+      <p:grpSp>
+        <p:nvGrpSpPr>
+          <p:cNvPr id="97" name="Group 96">
+            <a:extLst>
+              <a:ext uri="{FF2B5EF4-FFF2-40B4-BE49-F238E27FC236}">
+                <a16:creationId xmlns:a16="http://schemas.microsoft.com/office/drawing/2014/main" id="{C714C9D8-F1E3-8DAF-B08C-578FDDB7F769}"/>
+              </a:ext>
+            </a:extLst>
+          </p:cNvPr>
+          <p:cNvGrpSpPr/>
+          <p:nvPr/>
+        </p:nvGrpSpPr>
+        <p:grpSpPr>
+          <a:xfrm>
+            <a:off x="5380148" y="614427"/>
+            <a:ext cx="1280872" cy="423931"/>
+            <a:chOff x="5121572" y="578695"/>
+            <a:chExt cx="1280872" cy="423931"/>
+          </a:xfrm>
+        </p:grpSpPr>
+        <p:cxnSp>
+          <p:nvCxnSpPr>
+            <p:cNvPr id="6" name="Straight Arrow Connector 5">
+              <a:extLst>
+                <a:ext uri="{FF2B5EF4-FFF2-40B4-BE49-F238E27FC236}">
+                  <a16:creationId xmlns:a16="http://schemas.microsoft.com/office/drawing/2014/main" id="{3F1C0390-6F49-08C5-F1B4-32E96F9CF13F}"/>
+                </a:ext>
+              </a:extLst>
+            </p:cNvPr>
+            <p:cNvCxnSpPr>
+              <a:cxnSpLocks/>
+            </p:cNvCxnSpPr>
+            <p:nvPr/>
+          </p:nvCxnSpPr>
+          <p:spPr>
+            <a:xfrm>
+              <a:off x="5762008" y="819746"/>
+              <a:ext cx="0" cy="182880"/>
+            </a:xfrm>
+            <a:prstGeom prst="straightConnector1">
+              <a:avLst/>
+            </a:prstGeom>
+            <a:ln w="28575">
+              <a:solidFill>
+                <a:srgbClr val="0070C0"/>
+              </a:solidFill>
+              <a:prstDash val="sysDash"/>
+              <a:tailEnd type="triangle"/>
+            </a:ln>
+          </p:spPr>
+          <p:style>
+            <a:lnRef idx="1">
+              <a:schemeClr val="accent1"/>
+            </a:lnRef>
+            <a:fillRef idx="0">
+              <a:schemeClr val="accent1"/>
+            </a:fillRef>
+            <a:effectRef idx="0">
+              <a:schemeClr val="accent1"/>
+            </a:effectRef>
+            <a:fontRef idx="minor">
+              <a:schemeClr val="tx1"/>
+            </a:fontRef>
+          </p:style>
+        </p:cxnSp>
+        <p:sp>
+          <p:nvSpPr>
+            <p:cNvPr id="28" name="TextBox 27">
+              <a:extLst>
+                <a:ext uri="{FF2B5EF4-FFF2-40B4-BE49-F238E27FC236}">
+                  <a16:creationId xmlns:a16="http://schemas.microsoft.com/office/drawing/2014/main" id="{9FD3E2B4-D275-2256-779F-ECC241AA7EC4}"/>
+                </a:ext>
+              </a:extLst>
+            </p:cNvPr>
+            <p:cNvSpPr txBox="1"/>
+            <p:nvPr/>
+          </p:nvSpPr>
+          <p:spPr>
+            <a:xfrm>
+              <a:off x="5121572" y="578695"/>
+              <a:ext cx="1280872" cy="307777"/>
+            </a:xfrm>
+            <a:prstGeom prst="rect">
+              <a:avLst/>
+            </a:prstGeom>
+            <a:noFill/>
+          </p:spPr>
+          <p:txBody>
+            <a:bodyPr wrap="square" rtlCol="0">
+              <a:spAutoFit/>
+            </a:bodyPr>
+            <a:lstStyle/>
+            <a:p>
+              <a:pPr algn="ctr"/>
+              <a:r>
+                <a:rPr lang="en-US" sz="1400" b="1" i="1" dirty="0"/>
+                <a:t>From CRD </a:t>
+              </a:r>
+              <a:r>
+                <a:rPr lang="en-US" sz="1400" b="1" i="1" dirty="0" err="1"/>
+                <a:t>ePA</a:t>
+              </a:r>
+              <a:endParaRPr lang="en-US" sz="1400" b="1" i="1" dirty="0"/>
+            </a:p>
+          </p:txBody>
+        </p:sp>
+      </p:grpSp>
+      <p:graphicFrame>
+        <p:nvGraphicFramePr>
+          <p:cNvPr id="37" name="Table 52">
+            <a:extLst>
+              <a:ext uri="{FF2B5EF4-FFF2-40B4-BE49-F238E27FC236}">
+                <a16:creationId xmlns:a16="http://schemas.microsoft.com/office/drawing/2014/main" id="{D9AE1324-CD42-2EB9-A16F-C349319758D5}"/>
+              </a:ext>
+            </a:extLst>
+          </p:cNvPr>
+          <p:cNvGraphicFramePr>
+            <a:graphicFrameLocks noGrp="1"/>
+          </p:cNvGraphicFramePr>
+          <p:nvPr>
+            <p:extLst>
+              <p:ext uri="{D42A27DB-BD31-4B8C-83A1-F6EECF244321}">
+                <p14:modId xmlns:p14="http://schemas.microsoft.com/office/powerpoint/2010/main" val="2382095228"/>
+              </p:ext>
+            </p:extLst>
+          </p:nvPr>
+        </p:nvGraphicFramePr>
+        <p:xfrm>
+          <a:off x="660339" y="4787327"/>
+          <a:ext cx="10720491" cy="1770780"/>
+        </p:xfrm>
+        <a:graphic>
+          <a:graphicData uri="http://schemas.openxmlformats.org/drawingml/2006/table">
+            <a:tbl>
+              <a:tblPr firstRow="1" bandRow="1">
+                <a:tableStyleId>{5C22544A-7EE6-4342-B048-85BDC9FD1C3A}</a:tableStyleId>
+              </a:tblPr>
+              <a:tblGrid>
+                <a:gridCol w="1020310">
+                  <a:extLst>
+                    <a:ext uri="{9D8B030D-6E8A-4147-A177-3AD203B41FA5}">
+                      <a16:colId xmlns:a16="http://schemas.microsoft.com/office/drawing/2014/main" val="1838337621"/>
+                    </a:ext>
+                  </a:extLst>
+                </a:gridCol>
+                <a:gridCol w="3242821">
+                  <a:extLst>
+                    <a:ext uri="{9D8B030D-6E8A-4147-A177-3AD203B41FA5}">
+                      <a16:colId xmlns:a16="http://schemas.microsoft.com/office/drawing/2014/main" val="2759112837"/>
+                    </a:ext>
+                  </a:extLst>
+                </a:gridCol>
+                <a:gridCol w="2073897">
+                  <a:extLst>
+                    <a:ext uri="{9D8B030D-6E8A-4147-A177-3AD203B41FA5}">
+                      <a16:colId xmlns:a16="http://schemas.microsoft.com/office/drawing/2014/main" val="2469035275"/>
+                    </a:ext>
+                  </a:extLst>
+                </a:gridCol>
+                <a:gridCol w="2224726">
+                  <a:extLst>
+                    <a:ext uri="{9D8B030D-6E8A-4147-A177-3AD203B41FA5}">
+                      <a16:colId xmlns:a16="http://schemas.microsoft.com/office/drawing/2014/main" val="730302725"/>
+                    </a:ext>
+                  </a:extLst>
+                </a:gridCol>
+                <a:gridCol w="2158737">
+                  <a:extLst>
+                    <a:ext uri="{9D8B030D-6E8A-4147-A177-3AD203B41FA5}">
+                      <a16:colId xmlns:a16="http://schemas.microsoft.com/office/drawing/2014/main" val="1288595353"/>
+                    </a:ext>
+                  </a:extLst>
+                </a:gridCol>
+              </a:tblGrid>
+              <a:tr h="370840">
+                <a:tc>
+                  <a:txBody>
+                    <a:bodyPr/>
+                    <a:lstStyle/>
+                    <a:p>
+                      <a:pPr algn="ctr"/>
+                      <a:r>
+                        <a:rPr lang="en-US" sz="1100" dirty="0"/>
+                        <a:t>Interaction</a:t>
+                      </a:r>
+                    </a:p>
+                  </a:txBody>
+                  <a:tcPr anchor="ctr">
+                    <a:lnL w="3175" cap="flat" cmpd="sng" algn="ctr">
+                      <a:solidFill>
+                        <a:schemeClr val="accent1">
+                          <a:lumMod val="75000"/>
+                        </a:schemeClr>
+                      </a:solidFill>
+                      <a:prstDash val="solid"/>
+                      <a:round/>
+                      <a:headEnd type="none" w="med" len="med"/>
+                      <a:tailEnd type="none" w="med" len="med"/>
+                    </a:lnL>
+                    <a:lnT w="3175" cap="flat" cmpd="sng" algn="ctr">
+                      <a:solidFill>
+                        <a:schemeClr val="accent1">
+                          <a:lumMod val="75000"/>
+                        </a:schemeClr>
+                      </a:solidFill>
+                      <a:prstDash val="solid"/>
+                      <a:round/>
+                      <a:headEnd type="none" w="med" len="med"/>
+                      <a:tailEnd type="none" w="med" len="med"/>
+                    </a:lnT>
+                    <a:solidFill>
+                      <a:schemeClr val="accent5">
+                        <a:lumMod val="50000"/>
+                      </a:schemeClr>
+                    </a:solidFill>
+                  </a:tcPr>
+                </a:tc>
+                <a:tc>
+                  <a:txBody>
+                    <a:bodyPr/>
+                    <a:lstStyle/>
+                    <a:p>
+                      <a:pPr algn="ctr"/>
+                      <a:r>
+                        <a:rPr lang="en-US" sz="1100" dirty="0"/>
+                        <a:t>Brief Description</a:t>
+                      </a:r>
+                    </a:p>
+                  </a:txBody>
+                  <a:tcPr anchor="ctr">
+                    <a:lnT w="3175" cap="flat" cmpd="sng" algn="ctr">
+                      <a:solidFill>
+                        <a:schemeClr val="accent1">
+                          <a:lumMod val="75000"/>
+                        </a:schemeClr>
+                      </a:solidFill>
+                      <a:prstDash val="solid"/>
+                      <a:round/>
+                      <a:headEnd type="none" w="med" len="med"/>
+                      <a:tailEnd type="none" w="med" len="med"/>
+                    </a:lnT>
+                    <a:solidFill>
+                      <a:schemeClr val="accent5">
+                        <a:lumMod val="50000"/>
+                      </a:schemeClr>
+                    </a:solidFill>
+                  </a:tcPr>
+                </a:tc>
+                <a:tc>
+                  <a:txBody>
+                    <a:bodyPr/>
+                    <a:lstStyle/>
+                    <a:p>
+                      <a:pPr algn="ctr"/>
+                      <a:r>
+                        <a:rPr lang="en-US" sz="1100" dirty="0"/>
+                        <a:t>Provider System(s)</a:t>
+                      </a:r>
+                    </a:p>
+                  </a:txBody>
+                  <a:tcPr anchor="ctr">
+                    <a:lnT w="3175" cap="flat" cmpd="sng" algn="ctr">
+                      <a:solidFill>
+                        <a:schemeClr val="accent1">
+                          <a:lumMod val="75000"/>
+                        </a:schemeClr>
+                      </a:solidFill>
+                      <a:prstDash val="solid"/>
+                      <a:round/>
+                      <a:headEnd type="none" w="med" len="med"/>
+                      <a:tailEnd type="none" w="med" len="med"/>
+                    </a:lnT>
+                    <a:solidFill>
+                      <a:schemeClr val="accent5">
+                        <a:lumMod val="50000"/>
+                      </a:schemeClr>
+                    </a:solidFill>
+                  </a:tcPr>
+                </a:tc>
+                <a:tc>
+                  <a:txBody>
+                    <a:bodyPr/>
+                    <a:lstStyle/>
+                    <a:p>
+                      <a:pPr algn="ctr"/>
+                      <a:r>
+                        <a:rPr lang="en-US" sz="1100" dirty="0"/>
+                        <a:t>Provider API Requirements</a:t>
+                      </a:r>
+                    </a:p>
+                  </a:txBody>
+                  <a:tcPr anchor="ctr">
+                    <a:lnT w="3175" cap="flat" cmpd="sng" algn="ctr">
+                      <a:solidFill>
+                        <a:schemeClr val="accent1">
+                          <a:lumMod val="75000"/>
+                        </a:schemeClr>
+                      </a:solidFill>
+                      <a:prstDash val="solid"/>
+                      <a:round/>
+                      <a:headEnd type="none" w="med" len="med"/>
+                      <a:tailEnd type="none" w="med" len="med"/>
+                    </a:lnT>
+                    <a:solidFill>
+                      <a:schemeClr val="accent5">
+                        <a:lumMod val="50000"/>
+                      </a:schemeClr>
+                    </a:solidFill>
+                  </a:tcPr>
+                </a:tc>
+                <a:tc>
+                  <a:txBody>
+                    <a:bodyPr/>
+                    <a:lstStyle/>
+                    <a:p>
+                      <a:pPr algn="ctr"/>
+                      <a:r>
+                        <a:rPr lang="en-US" sz="1100" dirty="0" err="1"/>
+                        <a:t>ePA</a:t>
+                      </a:r>
+                      <a:r>
+                        <a:rPr lang="en-US" sz="1100" dirty="0"/>
+                        <a:t> Coordinator API Requirements</a:t>
+                      </a:r>
+                    </a:p>
+                  </a:txBody>
+                  <a:tcPr anchor="ctr">
+                    <a:lnR w="3175" cap="flat" cmpd="sng" algn="ctr">
+                      <a:solidFill>
+                        <a:schemeClr val="accent1">
+                          <a:lumMod val="75000"/>
+                        </a:schemeClr>
+                      </a:solidFill>
+                      <a:prstDash val="solid"/>
+                      <a:round/>
+                      <a:headEnd type="none" w="med" len="med"/>
+                      <a:tailEnd type="none" w="med" len="med"/>
+                    </a:lnR>
+                    <a:lnT w="3175" cap="flat" cmpd="sng" algn="ctr">
+                      <a:solidFill>
+                        <a:schemeClr val="accent1">
+                          <a:lumMod val="75000"/>
+                        </a:schemeClr>
+                      </a:solidFill>
+                      <a:prstDash val="solid"/>
+                      <a:round/>
+                      <a:headEnd type="none" w="med" len="med"/>
+                      <a:tailEnd type="none" w="med" len="med"/>
+                    </a:lnT>
+                    <a:solidFill>
+                      <a:schemeClr val="accent5">
+                        <a:lumMod val="50000"/>
+                      </a:schemeClr>
+                    </a:solidFill>
+                  </a:tcPr>
+                </a:tc>
+                <a:extLst>
+                  <a:ext uri="{0D108BD9-81ED-4DB2-BD59-A6C34878D82A}">
+                    <a16:rowId xmlns:a16="http://schemas.microsoft.com/office/drawing/2014/main" val="2135185545"/>
+                  </a:ext>
+                </a:extLst>
+              </a:tr>
+              <a:tr h="307740">
+                <a:tc>
+                  <a:txBody>
+                    <a:bodyPr/>
+                    <a:lstStyle/>
+                    <a:p>
+                      <a:endParaRPr lang="en-US" sz="1100" dirty="0"/>
+                    </a:p>
+                  </a:txBody>
+                  <a:tcPr>
+                    <a:lnL w="3175" cap="flat" cmpd="sng" algn="ctr">
+                      <a:solidFill>
+                        <a:schemeClr val="accent1">
+                          <a:lumMod val="75000"/>
+                        </a:schemeClr>
+                      </a:solidFill>
+                      <a:prstDash val="solid"/>
+                      <a:round/>
+                      <a:headEnd type="none" w="med" len="med"/>
+                      <a:tailEnd type="none" w="med" len="med"/>
+                    </a:lnL>
+                  </a:tcPr>
+                </a:tc>
+                <a:tc>
+                  <a:txBody>
+                    <a:bodyPr/>
+                    <a:lstStyle/>
+                    <a:p>
+                      <a:r>
+                        <a:rPr lang="en-US" sz="1000" dirty="0"/>
+                        <a:t>Initiate with Context (depends on launch mode)</a:t>
+                      </a:r>
+                    </a:p>
+                  </a:txBody>
+                  <a:tcPr anchor="ctr"/>
+                </a:tc>
+                <a:tc>
+                  <a:txBody>
+                    <a:bodyPr/>
+                    <a:lstStyle/>
+                    <a:p>
+                      <a:pPr algn="ctr"/>
+                      <a:r>
+                        <a:rPr lang="en-US" sz="1000" dirty="0"/>
+                        <a:t>Scheduling, EHR, DS, Orders, Billing</a:t>
+                      </a:r>
+                    </a:p>
+                  </a:txBody>
+                  <a:tcPr anchor="ctr"/>
+                </a:tc>
+                <a:tc>
+                  <a:txBody>
+                    <a:bodyPr/>
+                    <a:lstStyle/>
+                    <a:p>
+                      <a:pPr marL="0" marR="0" lvl="0" indent="0" algn="ctr" defTabSz="914400" rtl="0" eaLnBrk="1" fontAlgn="auto" latinLnBrk="0" hangingPunct="1">
+                        <a:lnSpc>
+                          <a:spcPct val="100000"/>
+                        </a:lnSpc>
+                        <a:spcBef>
+                          <a:spcPts val="0"/>
+                        </a:spcBef>
+                        <a:spcAft>
+                          <a:spcPts val="0"/>
+                        </a:spcAft>
+                        <a:buClrTx/>
+                        <a:buSzTx/>
+                        <a:buFontTx/>
+                        <a:buNone/>
+                        <a:tabLst/>
+                        <a:defRPr/>
+                      </a:pPr>
+                      <a:r>
+                        <a:rPr lang="en-US" sz="1000" dirty="0">
+                          <a:solidFill>
+                            <a:srgbClr val="C00000"/>
+                          </a:solidFill>
+                        </a:rPr>
+                        <a:t>No equivalent</a:t>
+                      </a:r>
+                    </a:p>
+                  </a:txBody>
+                  <a:tcPr anchor="ctr"/>
+                </a:tc>
+                <a:tc>
+                  <a:txBody>
+                    <a:bodyPr/>
+                    <a:lstStyle/>
+                    <a:p>
+                      <a:pPr algn="ctr"/>
+                      <a:r>
+                        <a:rPr lang="en-US" sz="1000" dirty="0">
+                          <a:solidFill>
+                            <a:srgbClr val="C00000"/>
+                          </a:solidFill>
+                        </a:rPr>
+                        <a:t>No equivalent  (Launch requirements)</a:t>
+                      </a:r>
+                    </a:p>
+                  </a:txBody>
+                  <a:tcPr anchor="ctr">
+                    <a:lnR w="3175" cap="flat" cmpd="sng" algn="ctr">
+                      <a:solidFill>
+                        <a:schemeClr val="accent1">
+                          <a:lumMod val="75000"/>
+                        </a:schemeClr>
+                      </a:solidFill>
+                      <a:prstDash val="solid"/>
+                      <a:round/>
+                      <a:headEnd type="none" w="med" len="med"/>
+                      <a:tailEnd type="none" w="med" len="med"/>
+                    </a:lnR>
+                  </a:tcPr>
+                </a:tc>
+                <a:extLst>
+                  <a:ext uri="{0D108BD9-81ED-4DB2-BD59-A6C34878D82A}">
+                    <a16:rowId xmlns:a16="http://schemas.microsoft.com/office/drawing/2014/main" val="715689852"/>
+                  </a:ext>
+                </a:extLst>
+              </a:tr>
+              <a:tr h="0">
+                <a:tc>
+                  <a:txBody>
+                    <a:bodyPr/>
+                    <a:lstStyle/>
+                    <a:p>
+                      <a:endParaRPr lang="en-US" sz="1100" dirty="0"/>
+                    </a:p>
+                  </a:txBody>
+                  <a:tcPr>
+                    <a:lnL w="3175" cap="flat" cmpd="sng" algn="ctr">
+                      <a:solidFill>
+                        <a:schemeClr val="accent1">
+                          <a:lumMod val="75000"/>
+                        </a:schemeClr>
+                      </a:solidFill>
+                      <a:prstDash val="solid"/>
+                      <a:round/>
+                      <a:headEnd type="none" w="med" len="med"/>
+                      <a:tailEnd type="none" w="med" len="med"/>
+                    </a:lnL>
+                  </a:tcPr>
+                </a:tc>
+                <a:tc>
+                  <a:txBody>
+                    <a:bodyPr/>
+                    <a:lstStyle/>
+                    <a:p>
+                      <a:r>
+                        <a:rPr lang="en-US" sz="1000" dirty="0"/>
+                        <a:t>Access to FHIR API</a:t>
+                      </a:r>
+                    </a:p>
+                  </a:txBody>
+                  <a:tcPr anchor="ctr"/>
+                </a:tc>
+                <a:tc>
+                  <a:txBody>
+                    <a:bodyPr/>
+                    <a:lstStyle/>
+                    <a:p>
+                      <a:pPr algn="ctr"/>
+                      <a:r>
+                        <a:rPr lang="en-US" sz="1000" dirty="0"/>
+                        <a:t>Scheduling, EHR, DS, Orders, Billing</a:t>
+                      </a:r>
+                    </a:p>
+                  </a:txBody>
+                  <a:tcPr anchor="ctr"/>
+                </a:tc>
+                <a:tc>
+                  <a:txBody>
+                    <a:bodyPr/>
+                    <a:lstStyle/>
+                    <a:p>
+                      <a:pPr marL="0" marR="0" lvl="0" indent="0" algn="ctr" defTabSz="914400" rtl="0" eaLnBrk="1" fontAlgn="auto" latinLnBrk="0" hangingPunct="1">
+                        <a:lnSpc>
+                          <a:spcPct val="100000"/>
+                        </a:lnSpc>
+                        <a:spcBef>
+                          <a:spcPts val="0"/>
+                        </a:spcBef>
+                        <a:spcAft>
+                          <a:spcPts val="0"/>
+                        </a:spcAft>
+                        <a:buClrTx/>
+                        <a:buSzTx/>
+                        <a:buFontTx/>
+                        <a:buNone/>
+                        <a:tabLst/>
+                        <a:defRPr/>
+                      </a:pPr>
+                      <a:r>
+                        <a:rPr lang="en-US" sz="1000" dirty="0">
+                          <a:solidFill>
+                            <a:schemeClr val="tx1"/>
+                          </a:solidFill>
+                        </a:rPr>
+                        <a:t>Support for 21</a:t>
+                      </a:r>
+                      <a:r>
+                        <a:rPr lang="en-US" sz="1000" baseline="30000" dirty="0">
+                          <a:solidFill>
+                            <a:schemeClr val="tx1"/>
+                          </a:solidFill>
+                        </a:rPr>
+                        <a:t>st</a:t>
+                      </a:r>
+                      <a:r>
+                        <a:rPr lang="en-US" sz="1000" dirty="0">
+                          <a:solidFill>
+                            <a:schemeClr val="tx1"/>
+                          </a:solidFill>
+                        </a:rPr>
+                        <a:t> Century APIs</a:t>
+                      </a:r>
+                    </a:p>
+                  </a:txBody>
+                  <a:tcPr anchor="ctr"/>
+                </a:tc>
+                <a:tc>
+                  <a:txBody>
+                    <a:bodyPr/>
+                    <a:lstStyle/>
+                    <a:p>
+                      <a:pPr algn="ctr"/>
+                      <a:r>
+                        <a:rPr lang="en-US" sz="1000" dirty="0">
+                          <a:solidFill>
+                            <a:schemeClr val="tx1"/>
+                          </a:solidFill>
+                        </a:rPr>
+                        <a:t>Same as SMART app</a:t>
+                      </a:r>
+                    </a:p>
+                  </a:txBody>
+                  <a:tcPr anchor="ctr">
+                    <a:lnR w="3175" cap="flat" cmpd="sng" algn="ctr">
+                      <a:solidFill>
+                        <a:schemeClr val="accent1">
+                          <a:lumMod val="75000"/>
+                        </a:schemeClr>
+                      </a:solidFill>
+                      <a:prstDash val="solid"/>
+                      <a:round/>
+                      <a:headEnd type="none" w="med" len="med"/>
+                      <a:tailEnd type="none" w="med" len="med"/>
+                    </a:lnR>
+                  </a:tcPr>
+                </a:tc>
+                <a:extLst>
+                  <a:ext uri="{0D108BD9-81ED-4DB2-BD59-A6C34878D82A}">
+                    <a16:rowId xmlns:a16="http://schemas.microsoft.com/office/drawing/2014/main" val="1225753503"/>
+                  </a:ext>
+                </a:extLst>
+              </a:tr>
+              <a:tr h="189796">
+                <a:tc>
+                  <a:txBody>
+                    <a:bodyPr/>
+                    <a:lstStyle/>
+                    <a:p>
+                      <a:endParaRPr lang="en-US" sz="1100" dirty="0"/>
+                    </a:p>
+                  </a:txBody>
+                  <a:tcPr>
+                    <a:lnL w="3175" cap="flat" cmpd="sng" algn="ctr">
+                      <a:solidFill>
+                        <a:schemeClr val="accent1">
+                          <a:lumMod val="75000"/>
+                        </a:schemeClr>
+                      </a:solidFill>
+                      <a:prstDash val="solid"/>
+                      <a:round/>
+                      <a:headEnd type="none" w="med" len="med"/>
+                      <a:tailEnd type="none" w="med" len="med"/>
+                    </a:lnL>
+                  </a:tcPr>
+                </a:tc>
+                <a:tc>
+                  <a:txBody>
+                    <a:bodyPr/>
+                    <a:lstStyle/>
+                    <a:p>
+                      <a:r>
+                        <a:rPr lang="en-US" sz="1000" dirty="0"/>
+                        <a:t>Retrieve context</a:t>
+                      </a:r>
+                    </a:p>
+                  </a:txBody>
+                  <a:tcPr anchor="ctr"/>
+                </a:tc>
+                <a:tc>
+                  <a:txBody>
+                    <a:bodyPr/>
+                    <a:lstStyle/>
+                    <a:p>
+                      <a:pPr marL="0" marR="0" lvl="0" indent="0" algn="ctr" defTabSz="914400" rtl="0" eaLnBrk="1" fontAlgn="auto" latinLnBrk="0" hangingPunct="1">
+                        <a:lnSpc>
+                          <a:spcPct val="100000"/>
+                        </a:lnSpc>
+                        <a:spcBef>
+                          <a:spcPts val="0"/>
+                        </a:spcBef>
+                        <a:spcAft>
+                          <a:spcPts val="0"/>
+                        </a:spcAft>
+                        <a:buClrTx/>
+                        <a:buSzTx/>
+                        <a:buFontTx/>
+                        <a:buNone/>
+                        <a:tabLst/>
+                        <a:defRPr/>
+                      </a:pPr>
+                      <a:r>
+                        <a:rPr lang="en-US" sz="1000" dirty="0"/>
+                        <a:t>Scheduling, EHR, DS, Orders, Billing</a:t>
+                      </a:r>
+                    </a:p>
+                  </a:txBody>
+                  <a:tcPr anchor="ctr"/>
+                </a:tc>
+                <a:tc>
+                  <a:txBody>
+                    <a:bodyPr/>
+                    <a:lstStyle/>
+                    <a:p>
+                      <a:pPr marL="0" marR="0" lvl="0" indent="0" algn="ctr" defTabSz="914400" rtl="0" eaLnBrk="1" fontAlgn="auto" latinLnBrk="0" hangingPunct="1">
+                        <a:lnSpc>
+                          <a:spcPct val="100000"/>
+                        </a:lnSpc>
+                        <a:spcBef>
+                          <a:spcPts val="0"/>
+                        </a:spcBef>
+                        <a:spcAft>
+                          <a:spcPts val="0"/>
+                        </a:spcAft>
+                        <a:buClrTx/>
+                        <a:buSzTx/>
+                        <a:buFontTx/>
+                        <a:buNone/>
+                        <a:tabLst/>
+                        <a:defRPr/>
+                      </a:pPr>
+                      <a:r>
+                        <a:rPr lang="en-US" sz="1000" dirty="0">
+                          <a:solidFill>
+                            <a:schemeClr val="tx1"/>
+                          </a:solidFill>
+                        </a:rPr>
+                        <a:t>Support for 21</a:t>
+                      </a:r>
+                      <a:r>
+                        <a:rPr lang="en-US" sz="1000" baseline="30000" dirty="0">
+                          <a:solidFill>
+                            <a:schemeClr val="tx1"/>
+                          </a:solidFill>
+                        </a:rPr>
+                        <a:t>st</a:t>
+                      </a:r>
+                      <a:r>
+                        <a:rPr lang="en-US" sz="1000" dirty="0">
+                          <a:solidFill>
+                            <a:schemeClr val="tx1"/>
+                          </a:solidFill>
+                        </a:rPr>
+                        <a:t> Century APIs</a:t>
+                      </a:r>
+                    </a:p>
+                  </a:txBody>
+                  <a:tcPr anchor="ctr"/>
+                </a:tc>
+                <a:tc>
+                  <a:txBody>
+                    <a:bodyPr/>
+                    <a:lstStyle/>
+                    <a:p>
+                      <a:pPr algn="ctr"/>
+                      <a:r>
+                        <a:rPr lang="en-US" sz="1000" dirty="0">
+                          <a:solidFill>
+                            <a:schemeClr val="tx1"/>
+                          </a:solidFill>
+                        </a:rPr>
+                        <a:t>Same as SMART app</a:t>
+                      </a:r>
+                    </a:p>
+                  </a:txBody>
+                  <a:tcPr anchor="ctr">
+                    <a:lnR w="3175" cap="flat" cmpd="sng" algn="ctr">
+                      <a:solidFill>
+                        <a:schemeClr val="accent1">
+                          <a:lumMod val="75000"/>
+                        </a:schemeClr>
+                      </a:solidFill>
+                      <a:prstDash val="solid"/>
+                      <a:round/>
+                      <a:headEnd type="none" w="med" len="med"/>
+                      <a:tailEnd type="none" w="med" len="med"/>
+                    </a:lnR>
+                  </a:tcPr>
+                </a:tc>
+                <a:extLst>
+                  <a:ext uri="{0D108BD9-81ED-4DB2-BD59-A6C34878D82A}">
+                    <a16:rowId xmlns:a16="http://schemas.microsoft.com/office/drawing/2014/main" val="2907443045"/>
+                  </a:ext>
+                </a:extLst>
+              </a:tr>
+              <a:tr h="177869">
+                <a:tc>
+                  <a:txBody>
+                    <a:bodyPr/>
+                    <a:lstStyle/>
+                    <a:p>
+                      <a:endParaRPr lang="en-US" sz="1100" dirty="0"/>
+                    </a:p>
+                  </a:txBody>
+                  <a:tcPr>
+                    <a:lnL w="3175" cap="flat" cmpd="sng" algn="ctr">
+                      <a:solidFill>
+                        <a:schemeClr val="accent1">
+                          <a:lumMod val="75000"/>
+                        </a:schemeClr>
+                      </a:solidFill>
+                      <a:prstDash val="solid"/>
+                      <a:round/>
+                      <a:headEnd type="none" w="med" len="med"/>
+                      <a:tailEnd type="none" w="med" len="med"/>
+                    </a:lnL>
+                  </a:tcPr>
+                </a:tc>
+                <a:tc>
+                  <a:txBody>
+                    <a:bodyPr/>
+                    <a:lstStyle/>
+                    <a:p>
+                      <a:r>
+                        <a:rPr lang="en-US" sz="1000" dirty="0"/>
+                        <a:t>Retrieve clinical and Administrative info</a:t>
+                      </a:r>
+                    </a:p>
+                  </a:txBody>
+                  <a:tcPr anchor="ctr"/>
+                </a:tc>
+                <a:tc>
+                  <a:txBody>
+                    <a:bodyPr/>
+                    <a:lstStyle/>
+                    <a:p>
+                      <a:pPr marL="0" marR="0" lvl="0" indent="0" algn="ctr" defTabSz="914400" rtl="0" eaLnBrk="1" fontAlgn="auto" latinLnBrk="0" hangingPunct="1">
+                        <a:lnSpc>
+                          <a:spcPct val="100000"/>
+                        </a:lnSpc>
+                        <a:spcBef>
+                          <a:spcPts val="0"/>
+                        </a:spcBef>
+                        <a:spcAft>
+                          <a:spcPts val="0"/>
+                        </a:spcAft>
+                        <a:buClrTx/>
+                        <a:buSzTx/>
+                        <a:buFontTx/>
+                        <a:buNone/>
+                        <a:tabLst/>
+                        <a:defRPr/>
+                      </a:pPr>
+                      <a:r>
+                        <a:rPr lang="en-US" sz="1000" dirty="0"/>
+                        <a:t>Scheduling, EHR, DS, Orders, Billing</a:t>
+                      </a:r>
+                    </a:p>
+                  </a:txBody>
+                  <a:tcPr anchor="ctr"/>
+                </a:tc>
+                <a:tc>
+                  <a:txBody>
+                    <a:bodyPr/>
+                    <a:lstStyle/>
+                    <a:p>
+                      <a:pPr marL="0" marR="0" lvl="0" indent="0" algn="ctr" defTabSz="914400" rtl="0" eaLnBrk="1" fontAlgn="auto" latinLnBrk="0" hangingPunct="1">
+                        <a:lnSpc>
+                          <a:spcPct val="100000"/>
+                        </a:lnSpc>
+                        <a:spcBef>
+                          <a:spcPts val="0"/>
+                        </a:spcBef>
+                        <a:spcAft>
+                          <a:spcPts val="0"/>
+                        </a:spcAft>
+                        <a:buClrTx/>
+                        <a:buSzTx/>
+                        <a:buFontTx/>
+                        <a:buNone/>
+                        <a:tabLst/>
+                        <a:defRPr/>
+                      </a:pPr>
+                      <a:r>
+                        <a:rPr lang="en-US" sz="1000" dirty="0">
+                          <a:solidFill>
+                            <a:schemeClr val="tx1"/>
+                          </a:solidFill>
+                        </a:rPr>
+                        <a:t>Support for 21</a:t>
+                      </a:r>
+                      <a:r>
+                        <a:rPr lang="en-US" sz="1000" baseline="30000" dirty="0">
+                          <a:solidFill>
+                            <a:schemeClr val="tx1"/>
+                          </a:solidFill>
+                        </a:rPr>
+                        <a:t>st</a:t>
+                      </a:r>
+                      <a:r>
+                        <a:rPr lang="en-US" sz="1000" dirty="0">
+                          <a:solidFill>
+                            <a:schemeClr val="tx1"/>
+                          </a:solidFill>
+                        </a:rPr>
+                        <a:t> Century APIs</a:t>
+                      </a:r>
+                    </a:p>
+                  </a:txBody>
+                  <a:tcPr anchor="ctr"/>
+                </a:tc>
+                <a:tc>
+                  <a:txBody>
+                    <a:bodyPr/>
+                    <a:lstStyle/>
+                    <a:p>
+                      <a:pPr algn="ctr"/>
+                      <a:r>
+                        <a:rPr lang="en-US" sz="1000" dirty="0">
+                          <a:solidFill>
+                            <a:schemeClr val="tx1"/>
+                          </a:solidFill>
+                        </a:rPr>
+                        <a:t>Same as SMART app</a:t>
+                      </a:r>
+                    </a:p>
+                  </a:txBody>
+                  <a:tcPr anchor="ctr">
+                    <a:lnR w="3175" cap="flat" cmpd="sng" algn="ctr">
+                      <a:solidFill>
+                        <a:schemeClr val="accent1">
+                          <a:lumMod val="75000"/>
+                        </a:schemeClr>
+                      </a:solidFill>
+                      <a:prstDash val="solid"/>
+                      <a:round/>
+                      <a:headEnd type="none" w="med" len="med"/>
+                      <a:tailEnd type="none" w="med" len="med"/>
+                    </a:lnR>
+                  </a:tcPr>
+                </a:tc>
+                <a:extLst>
+                  <a:ext uri="{0D108BD9-81ED-4DB2-BD59-A6C34878D82A}">
+                    <a16:rowId xmlns:a16="http://schemas.microsoft.com/office/drawing/2014/main" val="1896454758"/>
+                  </a:ext>
+                </a:extLst>
+              </a:tr>
+              <a:tr h="177869">
+                <a:tc>
+                  <a:txBody>
+                    <a:bodyPr/>
+                    <a:lstStyle/>
+                    <a:p>
+                      <a:endParaRPr lang="en-US" sz="1100" dirty="0"/>
+                    </a:p>
+                  </a:txBody>
+                  <a:tcPr>
+                    <a:lnL w="3175" cap="flat" cmpd="sng" algn="ctr">
+                      <a:solidFill>
+                        <a:schemeClr val="accent1">
+                          <a:lumMod val="75000"/>
+                        </a:schemeClr>
+                      </a:solidFill>
+                      <a:prstDash val="solid"/>
+                      <a:round/>
+                      <a:headEnd type="none" w="med" len="med"/>
+                      <a:tailEnd type="none" w="med" len="med"/>
+                    </a:lnL>
+                    <a:lnB w="3175" cap="flat" cmpd="sng" algn="ctr">
+                      <a:solidFill>
+                        <a:schemeClr val="accent1">
+                          <a:lumMod val="75000"/>
+                        </a:schemeClr>
+                      </a:solidFill>
+                      <a:prstDash val="solid"/>
+                      <a:round/>
+                      <a:headEnd type="none" w="med" len="med"/>
+                      <a:tailEnd type="none" w="med" len="med"/>
+                    </a:lnB>
+                  </a:tcPr>
+                </a:tc>
+                <a:tc>
+                  <a:txBody>
+                    <a:bodyPr/>
+                    <a:lstStyle/>
+                    <a:p>
+                      <a:r>
+                        <a:rPr lang="en-US" sz="1000" dirty="0"/>
+                        <a:t>Store </a:t>
+                      </a:r>
+                      <a:r>
+                        <a:rPr lang="en-US" sz="1000" dirty="0" err="1"/>
+                        <a:t>QuestionnaireResponse</a:t>
+                      </a:r>
+                      <a:r>
+                        <a:rPr lang="en-US" sz="1000" dirty="0"/>
+                        <a:t> with references to resources</a:t>
+                      </a:r>
+                    </a:p>
+                  </a:txBody>
+                  <a:tcPr anchor="ctr">
+                    <a:lnB w="3175" cap="flat" cmpd="sng" algn="ctr">
+                      <a:solidFill>
+                        <a:schemeClr val="accent1">
+                          <a:lumMod val="75000"/>
+                        </a:schemeClr>
+                      </a:solidFill>
+                      <a:prstDash val="solid"/>
+                      <a:round/>
+                      <a:headEnd type="none" w="med" len="med"/>
+                      <a:tailEnd type="none" w="med" len="med"/>
+                    </a:lnB>
+                  </a:tcPr>
+                </a:tc>
+                <a:tc>
+                  <a:txBody>
+                    <a:bodyPr/>
+                    <a:lstStyle/>
+                    <a:p>
+                      <a:pPr marL="0" marR="0" lvl="0" indent="0" algn="ctr" defTabSz="914400" rtl="0" eaLnBrk="1" fontAlgn="auto" latinLnBrk="0" hangingPunct="1">
+                        <a:lnSpc>
+                          <a:spcPct val="100000"/>
+                        </a:lnSpc>
+                        <a:spcBef>
+                          <a:spcPts val="0"/>
+                        </a:spcBef>
+                        <a:spcAft>
+                          <a:spcPts val="0"/>
+                        </a:spcAft>
+                        <a:buClrTx/>
+                        <a:buSzTx/>
+                        <a:buFontTx/>
+                        <a:buNone/>
+                        <a:tabLst/>
+                        <a:defRPr/>
+                      </a:pPr>
+                      <a:r>
+                        <a:rPr lang="en-US" sz="1000" dirty="0"/>
+                        <a:t>Scheduling, EHR, DS, Orders, Billing</a:t>
+                      </a:r>
+                    </a:p>
+                  </a:txBody>
+                  <a:tcPr anchor="ctr">
+                    <a:lnB w="3175" cap="flat" cmpd="sng" algn="ctr">
+                      <a:solidFill>
+                        <a:schemeClr val="accent1">
+                          <a:lumMod val="75000"/>
+                        </a:schemeClr>
+                      </a:solidFill>
+                      <a:prstDash val="solid"/>
+                      <a:round/>
+                      <a:headEnd type="none" w="med" len="med"/>
+                      <a:tailEnd type="none" w="med" len="med"/>
+                    </a:lnB>
+                  </a:tcPr>
+                </a:tc>
+                <a:tc>
+                  <a:txBody>
+                    <a:bodyPr/>
+                    <a:lstStyle/>
+                    <a:p>
+                      <a:pPr algn="ctr"/>
+                      <a:r>
+                        <a:rPr lang="en-US" sz="1000" dirty="0">
+                          <a:solidFill>
+                            <a:schemeClr val="tx1"/>
+                          </a:solidFill>
+                        </a:rPr>
+                        <a:t>Same as with SMART app</a:t>
+                      </a:r>
+                    </a:p>
+                  </a:txBody>
+                  <a:tcPr anchor="ctr">
+                    <a:lnB w="3175" cap="flat" cmpd="sng" algn="ctr">
+                      <a:solidFill>
+                        <a:schemeClr val="accent1">
+                          <a:lumMod val="75000"/>
+                        </a:schemeClr>
+                      </a:solidFill>
+                      <a:prstDash val="solid"/>
+                      <a:round/>
+                      <a:headEnd type="none" w="med" len="med"/>
+                      <a:tailEnd type="none" w="med" len="med"/>
+                    </a:lnB>
+                  </a:tcPr>
+                </a:tc>
+                <a:tc>
+                  <a:txBody>
+                    <a:bodyPr/>
+                    <a:lstStyle/>
+                    <a:p>
+                      <a:pPr algn="ctr"/>
+                      <a:r>
+                        <a:rPr lang="en-US" sz="1000" dirty="0">
+                          <a:solidFill>
+                            <a:schemeClr val="tx1"/>
+                          </a:solidFill>
+                        </a:rPr>
+                        <a:t>Same as SMART app</a:t>
+                      </a:r>
+                    </a:p>
+                  </a:txBody>
+                  <a:tcPr anchor="ctr">
+                    <a:lnR w="3175" cap="flat" cmpd="sng" algn="ctr">
+                      <a:solidFill>
+                        <a:schemeClr val="accent1">
+                          <a:lumMod val="75000"/>
+                        </a:schemeClr>
+                      </a:solidFill>
+                      <a:prstDash val="solid"/>
+                      <a:round/>
+                      <a:headEnd type="none" w="med" len="med"/>
+                      <a:tailEnd type="none" w="med" len="med"/>
+                    </a:lnR>
+                    <a:lnB w="3175" cap="flat" cmpd="sng" algn="ctr">
+                      <a:solidFill>
+                        <a:schemeClr val="accent1">
+                          <a:lumMod val="75000"/>
+                        </a:schemeClr>
+                      </a:solidFill>
+                      <a:prstDash val="solid"/>
+                      <a:round/>
+                      <a:headEnd type="none" w="med" len="med"/>
+                      <a:tailEnd type="none" w="med" len="med"/>
+                    </a:lnB>
+                  </a:tcPr>
+                </a:tc>
+                <a:extLst>
+                  <a:ext uri="{0D108BD9-81ED-4DB2-BD59-A6C34878D82A}">
+                    <a16:rowId xmlns:a16="http://schemas.microsoft.com/office/drawing/2014/main" val="3806046272"/>
+                  </a:ext>
+                </a:extLst>
+              </a:tr>
+            </a:tbl>
+          </a:graphicData>
+        </a:graphic>
+      </p:graphicFrame>
+      <p:sp>
+        <p:nvSpPr>
+          <p:cNvPr id="39" name="Flowchart: Connector 38">
+            <a:extLst>
+              <a:ext uri="{FF2B5EF4-FFF2-40B4-BE49-F238E27FC236}">
+                <a16:creationId xmlns:a16="http://schemas.microsoft.com/office/drawing/2014/main" id="{7FE928C9-CD82-8DB5-3341-DEA9876E255B}"/>
+              </a:ext>
+            </a:extLst>
+          </p:cNvPr>
+          <p:cNvSpPr>
+            <a:spLocks noChangeAspect="1"/>
+          </p:cNvSpPr>
+          <p:nvPr/>
+        </p:nvSpPr>
+        <p:spPr>
+          <a:xfrm>
+            <a:off x="1055834" y="5247072"/>
+            <a:ext cx="210312" cy="210312"/>
+          </a:xfrm>
+          <a:prstGeom prst="flowChartConnector">
+            <a:avLst/>
+          </a:prstGeom>
+        </p:spPr>
+        <p:style>
+          <a:lnRef idx="2">
+            <a:schemeClr val="accent1">
+              <a:shade val="50000"/>
+            </a:schemeClr>
+          </a:lnRef>
+          <a:fillRef idx="1">
+            <a:schemeClr val="accent1"/>
+          </a:fillRef>
+          <a:effectRef idx="0">
+            <a:schemeClr val="accent1"/>
+          </a:effectRef>
+          <a:fontRef idx="minor">
+            <a:schemeClr val="lt1"/>
+          </a:fontRef>
+        </p:style>
+        <p:txBody>
+          <a:bodyPr rtlCol="0" anchor="ctr"/>
+          <a:lstStyle/>
+          <a:p>
+            <a:pPr algn="ctr"/>
+            <a:r>
+              <a:rPr lang="en-US" sz="1400" dirty="0"/>
+              <a:t>1</a:t>
+            </a:r>
+          </a:p>
+        </p:txBody>
+      </p:sp>
+      <p:sp>
+        <p:nvSpPr>
+          <p:cNvPr id="40" name="Flowchart: Connector 39">
+            <a:extLst>
+              <a:ext uri="{FF2B5EF4-FFF2-40B4-BE49-F238E27FC236}">
+                <a16:creationId xmlns:a16="http://schemas.microsoft.com/office/drawing/2014/main" id="{81EA5438-ED1D-1C24-CC84-9268D797E109}"/>
+              </a:ext>
+            </a:extLst>
+          </p:cNvPr>
+          <p:cNvSpPr>
+            <a:spLocks noChangeAspect="1"/>
+          </p:cNvSpPr>
+          <p:nvPr/>
+        </p:nvSpPr>
+        <p:spPr>
+          <a:xfrm>
+            <a:off x="1055834" y="5534471"/>
+            <a:ext cx="210312" cy="210312"/>
+          </a:xfrm>
+          <a:prstGeom prst="flowChartConnector">
+            <a:avLst/>
+          </a:prstGeom>
+        </p:spPr>
+        <p:style>
+          <a:lnRef idx="2">
+            <a:schemeClr val="accent1">
+              <a:shade val="50000"/>
+            </a:schemeClr>
+          </a:lnRef>
+          <a:fillRef idx="1">
+            <a:schemeClr val="accent1"/>
+          </a:fillRef>
+          <a:effectRef idx="0">
+            <a:schemeClr val="accent1"/>
+          </a:effectRef>
+          <a:fontRef idx="minor">
+            <a:schemeClr val="lt1"/>
+          </a:fontRef>
+        </p:style>
+        <p:txBody>
+          <a:bodyPr rtlCol="0" anchor="ctr"/>
+          <a:lstStyle/>
+          <a:p>
+            <a:pPr algn="ctr"/>
+            <a:r>
+              <a:rPr lang="en-US" sz="1400" dirty="0"/>
+              <a:t>2</a:t>
+            </a:r>
+          </a:p>
+        </p:txBody>
+      </p:sp>
+      <p:sp>
+        <p:nvSpPr>
+          <p:cNvPr id="41" name="Flowchart: Connector 40">
+            <a:extLst>
+              <a:ext uri="{FF2B5EF4-FFF2-40B4-BE49-F238E27FC236}">
+                <a16:creationId xmlns:a16="http://schemas.microsoft.com/office/drawing/2014/main" id="{4D81C049-3825-21D0-FFDD-AF13EE7F5E5D}"/>
+              </a:ext>
+            </a:extLst>
+          </p:cNvPr>
+          <p:cNvSpPr>
+            <a:spLocks noChangeAspect="1"/>
+          </p:cNvSpPr>
+          <p:nvPr/>
+        </p:nvSpPr>
+        <p:spPr>
+          <a:xfrm>
+            <a:off x="1055834" y="5793589"/>
+            <a:ext cx="210312" cy="210312"/>
+          </a:xfrm>
+          <a:prstGeom prst="flowChartConnector">
+            <a:avLst/>
+          </a:prstGeom>
+        </p:spPr>
+        <p:style>
+          <a:lnRef idx="2">
+            <a:schemeClr val="accent1">
+              <a:shade val="50000"/>
+            </a:schemeClr>
+          </a:lnRef>
+          <a:fillRef idx="1">
+            <a:schemeClr val="accent1"/>
+          </a:fillRef>
+          <a:effectRef idx="0">
+            <a:schemeClr val="accent1"/>
+          </a:effectRef>
+          <a:fontRef idx="minor">
+            <a:schemeClr val="lt1"/>
+          </a:fontRef>
+        </p:style>
+        <p:txBody>
+          <a:bodyPr rtlCol="0" anchor="ctr"/>
+          <a:lstStyle/>
+          <a:p>
+            <a:pPr algn="ctr"/>
+            <a:r>
+              <a:rPr lang="en-US" sz="1400" dirty="0"/>
+              <a:t>3</a:t>
+            </a:r>
+          </a:p>
+        </p:txBody>
+      </p:sp>
+      <p:sp>
+        <p:nvSpPr>
+          <p:cNvPr id="42" name="Flowchart: Connector 41">
+            <a:extLst>
+              <a:ext uri="{FF2B5EF4-FFF2-40B4-BE49-F238E27FC236}">
+                <a16:creationId xmlns:a16="http://schemas.microsoft.com/office/drawing/2014/main" id="{934C7978-D179-D16D-4955-052D780261B3}"/>
+              </a:ext>
+            </a:extLst>
+          </p:cNvPr>
+          <p:cNvSpPr>
+            <a:spLocks noChangeAspect="1"/>
+          </p:cNvSpPr>
+          <p:nvPr/>
+        </p:nvSpPr>
+        <p:spPr>
+          <a:xfrm>
+            <a:off x="1055834" y="6052707"/>
+            <a:ext cx="210312" cy="210312"/>
+          </a:xfrm>
+          <a:prstGeom prst="flowChartConnector">
+            <a:avLst/>
+          </a:prstGeom>
+        </p:spPr>
+        <p:style>
+          <a:lnRef idx="2">
+            <a:schemeClr val="accent1">
+              <a:shade val="50000"/>
+            </a:schemeClr>
+          </a:lnRef>
+          <a:fillRef idx="1">
+            <a:schemeClr val="accent1"/>
+          </a:fillRef>
+          <a:effectRef idx="0">
+            <a:schemeClr val="accent1"/>
+          </a:effectRef>
+          <a:fontRef idx="minor">
+            <a:schemeClr val="lt1"/>
+          </a:fontRef>
+        </p:style>
+        <p:txBody>
+          <a:bodyPr rtlCol="0" anchor="ctr"/>
+          <a:lstStyle/>
+          <a:p>
+            <a:pPr algn="ctr"/>
+            <a:r>
+              <a:rPr lang="en-US" sz="1400" dirty="0"/>
+              <a:t>4</a:t>
+            </a:r>
+          </a:p>
+        </p:txBody>
+      </p:sp>
+      <p:sp>
+        <p:nvSpPr>
+          <p:cNvPr id="43" name="Flowchart: Connector 42">
+            <a:extLst>
+              <a:ext uri="{FF2B5EF4-FFF2-40B4-BE49-F238E27FC236}">
+                <a16:creationId xmlns:a16="http://schemas.microsoft.com/office/drawing/2014/main" id="{150F621B-77DB-9752-F785-34AB12734AB2}"/>
+              </a:ext>
+            </a:extLst>
+          </p:cNvPr>
+          <p:cNvSpPr>
+            <a:spLocks noChangeAspect="1"/>
+          </p:cNvSpPr>
+          <p:nvPr/>
+        </p:nvSpPr>
+        <p:spPr>
+          <a:xfrm>
+            <a:off x="1055834" y="6321251"/>
+            <a:ext cx="210312" cy="210312"/>
+          </a:xfrm>
+          <a:prstGeom prst="flowChartConnector">
+            <a:avLst/>
+          </a:prstGeom>
+        </p:spPr>
+        <p:style>
+          <a:lnRef idx="2">
+            <a:schemeClr val="accent1">
+              <a:shade val="50000"/>
+            </a:schemeClr>
+          </a:lnRef>
+          <a:fillRef idx="1">
+            <a:schemeClr val="accent1"/>
+          </a:fillRef>
+          <a:effectRef idx="0">
+            <a:schemeClr val="accent1"/>
+          </a:effectRef>
+          <a:fontRef idx="minor">
+            <a:schemeClr val="lt1"/>
+          </a:fontRef>
+        </p:style>
+        <p:txBody>
+          <a:bodyPr rtlCol="0" anchor="ctr"/>
+          <a:lstStyle/>
+          <a:p>
+            <a:pPr algn="ctr"/>
+            <a:r>
+              <a:rPr lang="en-US" sz="1400" dirty="0"/>
+              <a:t>5</a:t>
+            </a:r>
+          </a:p>
+        </p:txBody>
+      </p:sp>
+      <p:sp>
+        <p:nvSpPr>
+          <p:cNvPr id="12" name="Rectangle 11">
+            <a:extLst>
+              <a:ext uri="{FF2B5EF4-FFF2-40B4-BE49-F238E27FC236}">
+                <a16:creationId xmlns:a16="http://schemas.microsoft.com/office/drawing/2014/main" id="{C88DF82D-292D-323A-1D21-96DFEA457318}"/>
+              </a:ext>
+            </a:extLst>
+          </p:cNvPr>
+          <p:cNvSpPr/>
+          <p:nvPr/>
+        </p:nvSpPr>
+        <p:spPr>
+          <a:xfrm>
+            <a:off x="1800751" y="102230"/>
+            <a:ext cx="8439666" cy="461665"/>
+          </a:xfrm>
+          <a:prstGeom prst="rect">
+            <a:avLst/>
+          </a:prstGeom>
+        </p:spPr>
+        <p:txBody>
+          <a:bodyPr wrap="square">
+            <a:spAutoFit/>
+          </a:bodyPr>
+          <a:lstStyle/>
+          <a:p>
+            <a:pPr marL="0" marR="0" lvl="0" indent="0" algn="ctr" defTabSz="914400" rtl="0" eaLnBrk="1" fontAlgn="auto" latinLnBrk="0" hangingPunct="1">
+              <a:lnSpc>
+                <a:spcPct val="100000"/>
+              </a:lnSpc>
+              <a:spcBef>
+                <a:spcPts val="0"/>
+              </a:spcBef>
+              <a:spcAft>
+                <a:spcPts val="1200"/>
+              </a:spcAft>
+              <a:buClrTx/>
+              <a:buSzTx/>
+              <a:buFontTx/>
+              <a:buNone/>
+              <a:tabLst/>
+              <a:defRPr/>
+            </a:pPr>
+            <a:r>
+              <a:rPr kumimoji="0" lang="en-US" sz="2400" b="1" i="0" u="sng" strike="noStrike" kern="1200" cap="none" spc="0" normalizeH="0" baseline="0" noProof="0" dirty="0">
+                <a:ln>
+                  <a:noFill/>
+                </a:ln>
+                <a:solidFill>
+                  <a:srgbClr val="335EAC">
+                    <a:lumMod val="50000"/>
+                  </a:srgbClr>
+                </a:solidFill>
+                <a:effectLst/>
+                <a:uLnTx/>
+                <a:uFillTx/>
+                <a:latin typeface="Helvetica Neue"/>
+                <a:ea typeface="+mn-ea"/>
+                <a:cs typeface="+mn-cs"/>
+              </a:rPr>
+              <a:t>Provider </a:t>
+            </a:r>
+            <a:r>
+              <a:rPr kumimoji="0" lang="en-US" sz="2400" b="1" i="0" u="sng" strike="noStrike" kern="1200" cap="none" spc="0" normalizeH="0" baseline="0" noProof="0" dirty="0" err="1">
+                <a:ln>
+                  <a:noFill/>
+                </a:ln>
+                <a:solidFill>
+                  <a:srgbClr val="335EAC">
+                    <a:lumMod val="50000"/>
+                  </a:srgbClr>
+                </a:solidFill>
+                <a:effectLst/>
+                <a:uLnTx/>
+                <a:uFillTx/>
+                <a:latin typeface="Helvetica Neue"/>
+                <a:ea typeface="+mn-ea"/>
+                <a:cs typeface="+mn-cs"/>
+              </a:rPr>
+              <a:t>ePA</a:t>
+            </a:r>
+            <a:r>
+              <a:rPr kumimoji="0" lang="en-US" sz="2400" b="1" i="0" u="sng" strike="noStrike" kern="1200" cap="none" spc="0" normalizeH="0" baseline="0" noProof="0" dirty="0">
+                <a:ln>
+                  <a:noFill/>
+                </a:ln>
+                <a:solidFill>
+                  <a:srgbClr val="335EAC">
+                    <a:lumMod val="50000"/>
+                  </a:srgbClr>
+                </a:solidFill>
+                <a:effectLst/>
+                <a:uLnTx/>
+                <a:uFillTx/>
+                <a:latin typeface="Helvetica Neue"/>
+                <a:ea typeface="+mn-ea"/>
+                <a:cs typeface="+mn-cs"/>
+              </a:rPr>
+              <a:t> Coordinator detail – DTR (internal)</a:t>
+            </a:r>
+          </a:p>
+        </p:txBody>
+      </p:sp>
+      <p:cxnSp>
+        <p:nvCxnSpPr>
+          <p:cNvPr id="35" name="Straight Arrow Connector 34">
+            <a:extLst>
+              <a:ext uri="{FF2B5EF4-FFF2-40B4-BE49-F238E27FC236}">
+                <a16:creationId xmlns:a16="http://schemas.microsoft.com/office/drawing/2014/main" id="{DE78A1B1-4F6C-F2DB-8B91-D10018AE7F90}"/>
+              </a:ext>
+            </a:extLst>
+          </p:cNvPr>
+          <p:cNvCxnSpPr>
+            <a:cxnSpLocks/>
+          </p:cNvCxnSpPr>
+          <p:nvPr/>
+        </p:nvCxnSpPr>
+        <p:spPr>
+          <a:xfrm>
+            <a:off x="8115942" y="2075146"/>
+            <a:ext cx="2134514" cy="714780"/>
+          </a:xfrm>
+          <a:prstGeom prst="straightConnector1">
+            <a:avLst/>
+          </a:prstGeom>
+          <a:ln w="34925">
+            <a:solidFill>
+              <a:schemeClr val="tx1"/>
+            </a:solidFill>
+            <a:tailEnd type="triangle"/>
+          </a:ln>
+        </p:spPr>
+        <p:style>
+          <a:lnRef idx="1">
+            <a:schemeClr val="accent1"/>
+          </a:lnRef>
+          <a:fillRef idx="0">
+            <a:schemeClr val="accent1"/>
+          </a:fillRef>
+          <a:effectRef idx="0">
+            <a:schemeClr val="accent1"/>
+          </a:effectRef>
+          <a:fontRef idx="minor">
+            <a:schemeClr val="tx1"/>
+          </a:fontRef>
+        </p:style>
+      </p:cxnSp>
+      <p:sp>
+        <p:nvSpPr>
+          <p:cNvPr id="45" name="Rectangle 44">
+            <a:extLst>
+              <a:ext uri="{FF2B5EF4-FFF2-40B4-BE49-F238E27FC236}">
+                <a16:creationId xmlns:a16="http://schemas.microsoft.com/office/drawing/2014/main" id="{3D777816-C96F-0732-F778-056A5FF4385D}"/>
+              </a:ext>
+            </a:extLst>
+          </p:cNvPr>
+          <p:cNvSpPr/>
+          <p:nvPr/>
+        </p:nvSpPr>
+        <p:spPr>
+          <a:xfrm>
+            <a:off x="10250456" y="2546487"/>
+            <a:ext cx="278417" cy="1268163"/>
+          </a:xfrm>
+          <a:prstGeom prst="rect">
+            <a:avLst/>
+          </a:prstGeom>
+          <a:solidFill>
+            <a:schemeClr val="bg1"/>
+          </a:solidFill>
+          <a:ln>
+            <a:solidFill>
+              <a:schemeClr val="accent2">
+                <a:lumMod val="50000"/>
+              </a:schemeClr>
+            </a:solidFill>
+          </a:ln>
+        </p:spPr>
+        <p:style>
+          <a:lnRef idx="2">
+            <a:schemeClr val="accent1">
+              <a:shade val="15000"/>
+            </a:schemeClr>
+          </a:lnRef>
+          <a:fillRef idx="1">
+            <a:schemeClr val="accent1"/>
+          </a:fillRef>
+          <a:effectRef idx="0">
+            <a:schemeClr val="accent1"/>
+          </a:effectRef>
+          <a:fontRef idx="minor">
+            <a:schemeClr val="lt1"/>
+          </a:fontRef>
+        </p:style>
+        <p:txBody>
+          <a:bodyPr rtlCol="0" anchor="t"/>
+          <a:lstStyle/>
+          <a:p>
+            <a:pPr algn="ctr">
+              <a:lnSpc>
+                <a:spcPts val="1600"/>
+              </a:lnSpc>
+            </a:pPr>
+            <a:r>
+              <a:rPr lang="en-US" sz="1600" dirty="0">
+                <a:solidFill>
+                  <a:schemeClr val="tx1"/>
+                </a:solidFill>
+              </a:rPr>
+              <a:t>Repeat</a:t>
+            </a:r>
+          </a:p>
+        </p:txBody>
+      </p:sp>
+      <p:cxnSp>
+        <p:nvCxnSpPr>
+          <p:cNvPr id="56" name="Straight Arrow Connector 55">
+            <a:extLst>
+              <a:ext uri="{FF2B5EF4-FFF2-40B4-BE49-F238E27FC236}">
+                <a16:creationId xmlns:a16="http://schemas.microsoft.com/office/drawing/2014/main" id="{A7B641A2-7DFD-1132-AFAE-9C404959A345}"/>
+              </a:ext>
+            </a:extLst>
+          </p:cNvPr>
+          <p:cNvCxnSpPr>
+            <a:cxnSpLocks/>
+          </p:cNvCxnSpPr>
+          <p:nvPr/>
+        </p:nvCxnSpPr>
+        <p:spPr>
+          <a:xfrm>
+            <a:off x="9817407" y="3468441"/>
+            <a:ext cx="429768" cy="0"/>
+          </a:xfrm>
+          <a:prstGeom prst="straightConnector1">
+            <a:avLst/>
+          </a:prstGeom>
+          <a:ln w="34925">
+            <a:solidFill>
+              <a:schemeClr val="tx1"/>
+            </a:solidFill>
+            <a:headEnd type="triangle"/>
+            <a:tailEnd type="triangle"/>
+          </a:ln>
+        </p:spPr>
+        <p:style>
+          <a:lnRef idx="1">
+            <a:schemeClr val="accent1"/>
+          </a:lnRef>
+          <a:fillRef idx="0">
+            <a:schemeClr val="accent1"/>
+          </a:fillRef>
+          <a:effectRef idx="0">
+            <a:schemeClr val="accent1"/>
+          </a:effectRef>
+          <a:fontRef idx="minor">
+            <a:schemeClr val="tx1"/>
+          </a:fontRef>
+        </p:style>
+      </p:cxnSp>
+      <p:sp>
+        <p:nvSpPr>
+          <p:cNvPr id="61" name="Rectangle 60">
+            <a:extLst>
+              <a:ext uri="{FF2B5EF4-FFF2-40B4-BE49-F238E27FC236}">
+                <a16:creationId xmlns:a16="http://schemas.microsoft.com/office/drawing/2014/main" id="{392D7149-6B15-05B7-0F40-CFEDB3CC0EBA}"/>
+              </a:ext>
+            </a:extLst>
+          </p:cNvPr>
+          <p:cNvSpPr/>
+          <p:nvPr/>
+        </p:nvSpPr>
+        <p:spPr>
+          <a:xfrm>
+            <a:off x="1828430" y="1171400"/>
+            <a:ext cx="1004079" cy="949438"/>
+          </a:xfrm>
+          <a:prstGeom prst="rect">
+            <a:avLst/>
+          </a:prstGeom>
+          <a:solidFill>
+            <a:srgbClr val="EFF4F5"/>
+          </a:solidFill>
+          <a:ln w="12700"/>
+          <a:effectLst>
+            <a:outerShdw blurRad="50800" dist="38100" dir="2700000" algn="tl" rotWithShape="0">
+              <a:prstClr val="black">
+                <a:alpha val="40000"/>
+              </a:prstClr>
+            </a:outerShdw>
+          </a:effectLst>
+        </p:spPr>
+        <p:style>
+          <a:lnRef idx="2">
+            <a:schemeClr val="accent1">
+              <a:shade val="15000"/>
+            </a:schemeClr>
+          </a:lnRef>
+          <a:fillRef idx="1">
+            <a:schemeClr val="accent1"/>
+          </a:fillRef>
+          <a:effectRef idx="0">
+            <a:schemeClr val="accent1"/>
+          </a:effectRef>
+          <a:fontRef idx="minor">
+            <a:schemeClr val="lt1"/>
+          </a:fontRef>
+        </p:style>
+        <p:txBody>
+          <a:bodyPr rtlCol="0" anchor="ctr"/>
+          <a:lstStyle/>
+          <a:p>
+            <a:pPr marL="0" marR="0" lvl="0" indent="0" algn="ctr" defTabSz="914400" rtl="0" eaLnBrk="1" fontAlgn="auto" latinLnBrk="0" hangingPunct="1">
+              <a:lnSpc>
+                <a:spcPct val="100000"/>
+              </a:lnSpc>
+              <a:spcBef>
+                <a:spcPts val="0"/>
+              </a:spcBef>
+              <a:spcAft>
+                <a:spcPts val="0"/>
+              </a:spcAft>
+              <a:buClrTx/>
+              <a:buSzTx/>
+              <a:buFontTx/>
+              <a:buNone/>
+              <a:tabLst/>
+              <a:defRPr/>
+            </a:pPr>
+            <a:r>
+              <a:rPr kumimoji="0" lang="en-US" sz="1200" b="0" i="0" u="none" strike="noStrike" kern="1200" cap="none" spc="0" normalizeH="0" baseline="0" noProof="0" dirty="0">
+                <a:ln>
+                  <a:noFill/>
+                </a:ln>
+                <a:solidFill>
+                  <a:prstClr val="black"/>
+                </a:solidFill>
+                <a:effectLst/>
+                <a:uLnTx/>
+                <a:uFillTx/>
+                <a:latin typeface="Calibri" panose="020F0502020204030204" pitchFamily="34" charset="0"/>
+                <a:ea typeface="+mn-ea"/>
+                <a:cs typeface="Calibri" panose="020F0502020204030204" pitchFamily="34" charset="0"/>
+              </a:rPr>
+              <a:t>Scheduling</a:t>
+            </a:r>
+          </a:p>
+          <a:p>
+            <a:pPr marL="0" marR="0" lvl="0" indent="0" algn="ctr" defTabSz="914400" rtl="0" eaLnBrk="1" fontAlgn="auto" latinLnBrk="0" hangingPunct="1">
+              <a:lnSpc>
+                <a:spcPct val="100000"/>
+              </a:lnSpc>
+              <a:spcBef>
+                <a:spcPts val="0"/>
+              </a:spcBef>
+              <a:spcAft>
+                <a:spcPts val="0"/>
+              </a:spcAft>
+              <a:buClrTx/>
+              <a:buSzTx/>
+              <a:buFontTx/>
+              <a:buNone/>
+              <a:tabLst/>
+              <a:defRPr/>
+            </a:pPr>
+            <a:r>
+              <a:rPr lang="en-US" sz="1200" dirty="0">
+                <a:solidFill>
+                  <a:prstClr val="black"/>
+                </a:solidFill>
+                <a:latin typeface="Calibri" panose="020F0502020204030204" pitchFamily="34" charset="0"/>
+                <a:cs typeface="Calibri" panose="020F0502020204030204" pitchFamily="34" charset="0"/>
+              </a:rPr>
+              <a:t>EHR</a:t>
+            </a:r>
+          </a:p>
+          <a:p>
+            <a:pPr marL="0" marR="0" lvl="0" indent="0" algn="ctr" defTabSz="914400" rtl="0" eaLnBrk="1" fontAlgn="auto" latinLnBrk="0" hangingPunct="1">
+              <a:lnSpc>
+                <a:spcPct val="100000"/>
+              </a:lnSpc>
+              <a:spcBef>
+                <a:spcPts val="0"/>
+              </a:spcBef>
+              <a:spcAft>
+                <a:spcPts val="0"/>
+              </a:spcAft>
+              <a:buClrTx/>
+              <a:buSzTx/>
+              <a:buFontTx/>
+              <a:buNone/>
+              <a:tabLst/>
+              <a:defRPr/>
+            </a:pPr>
+            <a:r>
+              <a:rPr kumimoji="0" lang="en-US" sz="1200" b="0" i="0" u="none" strike="noStrike" kern="1200" cap="none" spc="0" normalizeH="0" baseline="0" noProof="0" dirty="0">
+                <a:ln>
+                  <a:noFill/>
+                </a:ln>
+                <a:solidFill>
+                  <a:prstClr val="black"/>
+                </a:solidFill>
+                <a:effectLst/>
+                <a:uLnTx/>
+                <a:uFillTx/>
+                <a:latin typeface="Calibri" panose="020F0502020204030204" pitchFamily="34" charset="0"/>
+                <a:ea typeface="+mn-ea"/>
+                <a:cs typeface="Calibri" panose="020F0502020204030204" pitchFamily="34" charset="0"/>
+              </a:rPr>
+              <a:t>Orders</a:t>
+            </a:r>
+          </a:p>
+        </p:txBody>
+      </p:sp>
+      <p:sp>
+        <p:nvSpPr>
+          <p:cNvPr id="62" name="Rectangle 61">
+            <a:extLst>
+              <a:ext uri="{FF2B5EF4-FFF2-40B4-BE49-F238E27FC236}">
+                <a16:creationId xmlns:a16="http://schemas.microsoft.com/office/drawing/2014/main" id="{C301EA2E-0618-471A-9892-6DC3E6E8B8DC}"/>
+              </a:ext>
+            </a:extLst>
+          </p:cNvPr>
+          <p:cNvSpPr/>
+          <p:nvPr/>
+        </p:nvSpPr>
+        <p:spPr>
+          <a:xfrm>
+            <a:off x="1828429" y="2210250"/>
+            <a:ext cx="1004079" cy="579676"/>
+          </a:xfrm>
+          <a:prstGeom prst="rect">
+            <a:avLst/>
+          </a:prstGeom>
+          <a:solidFill>
+            <a:srgbClr val="EFF4F5"/>
+          </a:solidFill>
+          <a:ln w="12700"/>
+          <a:effectLst>
+            <a:outerShdw blurRad="50800" dist="38100" dir="2700000" algn="tl" rotWithShape="0">
+              <a:prstClr val="black">
+                <a:alpha val="40000"/>
+              </a:prstClr>
+            </a:outerShdw>
+          </a:effectLst>
+        </p:spPr>
+        <p:style>
+          <a:lnRef idx="2">
+            <a:schemeClr val="accent1">
+              <a:shade val="15000"/>
+            </a:schemeClr>
+          </a:lnRef>
+          <a:fillRef idx="1">
+            <a:schemeClr val="accent1"/>
+          </a:fillRef>
+          <a:effectRef idx="0">
+            <a:schemeClr val="accent1"/>
+          </a:effectRef>
+          <a:fontRef idx="minor">
+            <a:schemeClr val="lt1"/>
+          </a:fontRef>
+        </p:style>
+        <p:txBody>
+          <a:bodyPr rtlCol="0" anchor="ctr"/>
+          <a:lstStyle/>
+          <a:p>
+            <a:pPr marL="0" marR="0" lvl="0" indent="0" algn="ctr" defTabSz="914400" rtl="0" eaLnBrk="1" fontAlgn="auto" latinLnBrk="0" hangingPunct="1">
+              <a:lnSpc>
+                <a:spcPct val="100000"/>
+              </a:lnSpc>
+              <a:spcBef>
+                <a:spcPts val="0"/>
+              </a:spcBef>
+              <a:spcAft>
+                <a:spcPts val="0"/>
+              </a:spcAft>
+              <a:buClrTx/>
+              <a:buSzTx/>
+              <a:buFontTx/>
+              <a:buNone/>
+              <a:tabLst/>
+              <a:defRPr/>
+            </a:pPr>
+            <a:r>
+              <a:rPr lang="en-US" sz="1200" dirty="0">
+                <a:solidFill>
+                  <a:prstClr val="black"/>
+                </a:solidFill>
+                <a:latin typeface="Calibri" panose="020F0502020204030204" pitchFamily="34" charset="0"/>
+                <a:cs typeface="Calibri" panose="020F0502020204030204" pitchFamily="34" charset="0"/>
+              </a:rPr>
+              <a:t>EHR</a:t>
+            </a:r>
+          </a:p>
+          <a:p>
+            <a:pPr marL="0" marR="0" lvl="0" indent="0" algn="ctr" defTabSz="914400" rtl="0" eaLnBrk="1" fontAlgn="auto" latinLnBrk="0" hangingPunct="1">
+              <a:lnSpc>
+                <a:spcPct val="100000"/>
+              </a:lnSpc>
+              <a:spcBef>
+                <a:spcPts val="0"/>
+              </a:spcBef>
+              <a:spcAft>
+                <a:spcPts val="0"/>
+              </a:spcAft>
+              <a:buClrTx/>
+              <a:buSzTx/>
+              <a:buFontTx/>
+              <a:buNone/>
+              <a:tabLst/>
+              <a:defRPr/>
+            </a:pPr>
+            <a:r>
+              <a:rPr kumimoji="0" lang="en-US" sz="1200" b="0" i="0" u="none" strike="noStrike" kern="1200" cap="none" spc="0" normalizeH="0" baseline="0" noProof="0" dirty="0">
+                <a:ln>
+                  <a:noFill/>
+                </a:ln>
+                <a:solidFill>
+                  <a:prstClr val="black"/>
+                </a:solidFill>
+                <a:effectLst/>
+                <a:uLnTx/>
+                <a:uFillTx/>
+                <a:latin typeface="Calibri" panose="020F0502020204030204" pitchFamily="34" charset="0"/>
+                <a:ea typeface="+mn-ea"/>
+                <a:cs typeface="Calibri" panose="020F0502020204030204" pitchFamily="34" charset="0"/>
+              </a:rPr>
+              <a:t>Registration</a:t>
+            </a:r>
+          </a:p>
+        </p:txBody>
+      </p:sp>
+      <p:sp>
+        <p:nvSpPr>
+          <p:cNvPr id="63" name="Rectangle 62">
+            <a:extLst>
+              <a:ext uri="{FF2B5EF4-FFF2-40B4-BE49-F238E27FC236}">
+                <a16:creationId xmlns:a16="http://schemas.microsoft.com/office/drawing/2014/main" id="{047831BD-7D85-E802-FED5-6F0E07E6FAE8}"/>
+              </a:ext>
+            </a:extLst>
+          </p:cNvPr>
+          <p:cNvSpPr/>
+          <p:nvPr/>
+        </p:nvSpPr>
+        <p:spPr>
+          <a:xfrm>
+            <a:off x="1827613" y="2879338"/>
+            <a:ext cx="1004079" cy="579676"/>
+          </a:xfrm>
+          <a:prstGeom prst="rect">
+            <a:avLst/>
+          </a:prstGeom>
+          <a:solidFill>
+            <a:srgbClr val="EFF4F5"/>
+          </a:solidFill>
+          <a:ln w="12700"/>
+          <a:effectLst>
+            <a:outerShdw blurRad="50800" dist="38100" dir="2700000" algn="tl" rotWithShape="0">
+              <a:prstClr val="black">
+                <a:alpha val="40000"/>
+              </a:prstClr>
+            </a:outerShdw>
+          </a:effectLst>
+        </p:spPr>
+        <p:style>
+          <a:lnRef idx="2">
+            <a:schemeClr val="accent1">
+              <a:shade val="15000"/>
+            </a:schemeClr>
+          </a:lnRef>
+          <a:fillRef idx="1">
+            <a:schemeClr val="accent1"/>
+          </a:fillRef>
+          <a:effectRef idx="0">
+            <a:schemeClr val="accent1"/>
+          </a:effectRef>
+          <a:fontRef idx="minor">
+            <a:schemeClr val="lt1"/>
+          </a:fontRef>
+        </p:style>
+        <p:txBody>
+          <a:bodyPr rtlCol="0" anchor="ctr"/>
+          <a:lstStyle/>
+          <a:p>
+            <a:pPr marL="0" marR="0" lvl="0" indent="0" algn="ctr" defTabSz="914400" rtl="0" eaLnBrk="1" fontAlgn="auto" latinLnBrk="0" hangingPunct="1">
+              <a:lnSpc>
+                <a:spcPct val="100000"/>
+              </a:lnSpc>
+              <a:spcBef>
+                <a:spcPts val="0"/>
+              </a:spcBef>
+              <a:spcAft>
+                <a:spcPts val="0"/>
+              </a:spcAft>
+              <a:buClrTx/>
+              <a:buSzTx/>
+              <a:buFontTx/>
+              <a:buNone/>
+              <a:tabLst/>
+              <a:defRPr/>
+            </a:pPr>
+            <a:r>
+              <a:rPr lang="en-US" sz="1200" dirty="0">
+                <a:solidFill>
+                  <a:prstClr val="black"/>
+                </a:solidFill>
+                <a:latin typeface="Calibri" panose="020F0502020204030204" pitchFamily="34" charset="0"/>
+                <a:cs typeface="Calibri" panose="020F0502020204030204" pitchFamily="34" charset="0"/>
+              </a:rPr>
+              <a:t>EHR</a:t>
+            </a:r>
+          </a:p>
+          <a:p>
+            <a:pPr marL="0" marR="0" lvl="0" indent="0" algn="ctr" defTabSz="914400" rtl="0" eaLnBrk="1" fontAlgn="auto" latinLnBrk="0" hangingPunct="1">
+              <a:lnSpc>
+                <a:spcPct val="100000"/>
+              </a:lnSpc>
+              <a:spcBef>
+                <a:spcPts val="0"/>
+              </a:spcBef>
+              <a:spcAft>
+                <a:spcPts val="0"/>
+              </a:spcAft>
+              <a:buClrTx/>
+              <a:buSzTx/>
+              <a:buFontTx/>
+              <a:buNone/>
+              <a:tabLst/>
+              <a:defRPr/>
+            </a:pPr>
+            <a:r>
+              <a:rPr kumimoji="0" lang="en-US" sz="1200" b="0" i="0" u="none" strike="noStrike" kern="1200" cap="none" spc="0" normalizeH="0" baseline="0" noProof="0" dirty="0">
+                <a:ln>
+                  <a:noFill/>
+                </a:ln>
+                <a:solidFill>
+                  <a:prstClr val="black"/>
+                </a:solidFill>
+                <a:effectLst/>
+                <a:uLnTx/>
+                <a:uFillTx/>
+                <a:latin typeface="Calibri" panose="020F0502020204030204" pitchFamily="34" charset="0"/>
+                <a:ea typeface="+mn-ea"/>
+                <a:cs typeface="Calibri" panose="020F0502020204030204" pitchFamily="34" charset="0"/>
+              </a:rPr>
+              <a:t>DS</a:t>
+            </a:r>
+          </a:p>
+          <a:p>
+            <a:pPr marL="0" marR="0" lvl="0" indent="0" algn="ctr" defTabSz="914400" rtl="0" eaLnBrk="1" fontAlgn="auto" latinLnBrk="0" hangingPunct="1">
+              <a:lnSpc>
+                <a:spcPct val="100000"/>
+              </a:lnSpc>
+              <a:spcBef>
+                <a:spcPts val="0"/>
+              </a:spcBef>
+              <a:spcAft>
+                <a:spcPts val="0"/>
+              </a:spcAft>
+              <a:buClrTx/>
+              <a:buSzTx/>
+              <a:buFontTx/>
+              <a:buNone/>
+              <a:tabLst/>
+              <a:defRPr/>
+            </a:pPr>
+            <a:r>
+              <a:rPr lang="en-US" sz="1200" dirty="0">
+                <a:solidFill>
+                  <a:prstClr val="black"/>
+                </a:solidFill>
+                <a:latin typeface="Calibri" panose="020F0502020204030204" pitchFamily="34" charset="0"/>
+                <a:cs typeface="Calibri" panose="020F0502020204030204" pitchFamily="34" charset="0"/>
+              </a:rPr>
+              <a:t>PACS</a:t>
+            </a:r>
+            <a:endParaRPr kumimoji="0" lang="en-US" sz="1200" b="0" i="0" u="none" strike="noStrike" kern="1200" cap="none" spc="0" normalizeH="0" baseline="0" noProof="0" dirty="0">
+              <a:ln>
+                <a:noFill/>
+              </a:ln>
+              <a:solidFill>
+                <a:prstClr val="black"/>
+              </a:solidFill>
+              <a:effectLst/>
+              <a:uLnTx/>
+              <a:uFillTx/>
+              <a:latin typeface="Calibri" panose="020F0502020204030204" pitchFamily="34" charset="0"/>
+              <a:ea typeface="+mn-ea"/>
+              <a:cs typeface="Calibri" panose="020F0502020204030204" pitchFamily="34" charset="0"/>
+            </a:endParaRPr>
+          </a:p>
+        </p:txBody>
+      </p:sp>
+      <p:sp>
+        <p:nvSpPr>
+          <p:cNvPr id="64" name="Rectangle 63">
+            <a:extLst>
+              <a:ext uri="{FF2B5EF4-FFF2-40B4-BE49-F238E27FC236}">
+                <a16:creationId xmlns:a16="http://schemas.microsoft.com/office/drawing/2014/main" id="{97242E92-5588-47DA-2D4F-2C7505903F59}"/>
+              </a:ext>
+            </a:extLst>
+          </p:cNvPr>
+          <p:cNvSpPr/>
+          <p:nvPr/>
+        </p:nvSpPr>
+        <p:spPr>
+          <a:xfrm>
+            <a:off x="1827613" y="3548425"/>
+            <a:ext cx="1004079" cy="579676"/>
+          </a:xfrm>
+          <a:prstGeom prst="rect">
+            <a:avLst/>
+          </a:prstGeom>
+          <a:solidFill>
+            <a:srgbClr val="EFF4F5"/>
+          </a:solidFill>
+          <a:ln w="12700"/>
+          <a:effectLst>
+            <a:outerShdw blurRad="50800" dist="38100" dir="2700000" algn="tl" rotWithShape="0">
+              <a:prstClr val="black">
+                <a:alpha val="40000"/>
+              </a:prstClr>
+            </a:outerShdw>
+          </a:effectLst>
+        </p:spPr>
+        <p:style>
+          <a:lnRef idx="2">
+            <a:schemeClr val="accent1">
+              <a:shade val="15000"/>
+            </a:schemeClr>
+          </a:lnRef>
+          <a:fillRef idx="1">
+            <a:schemeClr val="accent1"/>
+          </a:fillRef>
+          <a:effectRef idx="0">
+            <a:schemeClr val="accent1"/>
+          </a:effectRef>
+          <a:fontRef idx="minor">
+            <a:schemeClr val="lt1"/>
+          </a:fontRef>
+        </p:style>
+        <p:txBody>
+          <a:bodyPr rtlCol="0" anchor="ctr"/>
+          <a:lstStyle/>
+          <a:p>
+            <a:pPr marL="0" marR="0" lvl="0" indent="0" algn="ctr" defTabSz="914400" rtl="0" eaLnBrk="1" fontAlgn="auto" latinLnBrk="0" hangingPunct="1">
+              <a:lnSpc>
+                <a:spcPct val="100000"/>
+              </a:lnSpc>
+              <a:spcBef>
+                <a:spcPts val="0"/>
+              </a:spcBef>
+              <a:spcAft>
+                <a:spcPts val="0"/>
+              </a:spcAft>
+              <a:buClrTx/>
+              <a:buSzTx/>
+              <a:buFontTx/>
+              <a:buNone/>
+              <a:tabLst/>
+              <a:defRPr/>
+            </a:pPr>
+            <a:r>
+              <a:rPr lang="en-US" sz="1200" dirty="0">
+                <a:solidFill>
+                  <a:prstClr val="black"/>
+                </a:solidFill>
+                <a:latin typeface="Calibri" panose="020F0502020204030204" pitchFamily="34" charset="0"/>
+                <a:cs typeface="Calibri" panose="020F0502020204030204" pitchFamily="34" charset="0"/>
+              </a:rPr>
+              <a:t>EHR</a:t>
+            </a:r>
+          </a:p>
+          <a:p>
+            <a:pPr marL="0" marR="0" lvl="0" indent="0" algn="ctr" defTabSz="914400" rtl="0" eaLnBrk="1" fontAlgn="auto" latinLnBrk="0" hangingPunct="1">
+              <a:lnSpc>
+                <a:spcPct val="100000"/>
+              </a:lnSpc>
+              <a:spcBef>
+                <a:spcPts val="0"/>
+              </a:spcBef>
+              <a:spcAft>
+                <a:spcPts val="0"/>
+              </a:spcAft>
+              <a:buClrTx/>
+              <a:buSzTx/>
+              <a:buFontTx/>
+              <a:buNone/>
+              <a:tabLst/>
+              <a:defRPr/>
+            </a:pPr>
+            <a:r>
+              <a:rPr kumimoji="0" lang="en-US" sz="1200" b="0" i="0" u="none" strike="noStrike" kern="1200" cap="none" spc="0" normalizeH="0" baseline="0" noProof="0" dirty="0">
+                <a:ln>
+                  <a:noFill/>
+                </a:ln>
+                <a:solidFill>
+                  <a:prstClr val="black"/>
+                </a:solidFill>
+                <a:effectLst/>
+                <a:uLnTx/>
+                <a:uFillTx/>
+                <a:latin typeface="Calibri" panose="020F0502020204030204" pitchFamily="34" charset="0"/>
+                <a:ea typeface="+mn-ea"/>
+                <a:cs typeface="Calibri" panose="020F0502020204030204" pitchFamily="34" charset="0"/>
+              </a:rPr>
+              <a:t>DS</a:t>
+            </a:r>
+          </a:p>
+        </p:txBody>
+      </p:sp>
+      <p:cxnSp>
+        <p:nvCxnSpPr>
+          <p:cNvPr id="68" name="Straight Arrow Connector 67">
+            <a:extLst>
+              <a:ext uri="{FF2B5EF4-FFF2-40B4-BE49-F238E27FC236}">
+                <a16:creationId xmlns:a16="http://schemas.microsoft.com/office/drawing/2014/main" id="{8395DFAA-390C-BD77-87F7-36483B55722C}"/>
+              </a:ext>
+            </a:extLst>
+          </p:cNvPr>
+          <p:cNvCxnSpPr>
+            <a:cxnSpLocks/>
+          </p:cNvCxnSpPr>
+          <p:nvPr/>
+        </p:nvCxnSpPr>
+        <p:spPr>
+          <a:xfrm>
+            <a:off x="7783280" y="3179621"/>
+            <a:ext cx="594360" cy="5060"/>
+          </a:xfrm>
+          <a:prstGeom prst="straightConnector1">
+            <a:avLst/>
+          </a:prstGeom>
+          <a:ln w="34925">
+            <a:solidFill>
+              <a:schemeClr val="tx1"/>
+            </a:solidFill>
+            <a:headEnd type="triangle"/>
+            <a:tailEnd type="triangle"/>
+          </a:ln>
+        </p:spPr>
+        <p:style>
+          <a:lnRef idx="1">
+            <a:schemeClr val="accent1"/>
+          </a:lnRef>
+          <a:fillRef idx="0">
+            <a:schemeClr val="accent1"/>
+          </a:fillRef>
+          <a:effectRef idx="0">
+            <a:schemeClr val="accent1"/>
+          </a:effectRef>
+          <a:fontRef idx="minor">
+            <a:schemeClr val="tx1"/>
+          </a:fontRef>
+        </p:style>
+      </p:cxnSp>
+      <p:sp>
+        <p:nvSpPr>
+          <p:cNvPr id="74" name="Flowchart: Connector 73">
+            <a:extLst>
+              <a:ext uri="{FF2B5EF4-FFF2-40B4-BE49-F238E27FC236}">
+                <a16:creationId xmlns:a16="http://schemas.microsoft.com/office/drawing/2014/main" id="{E3468526-22C5-BA12-BEA4-421C947546D5}"/>
+              </a:ext>
+            </a:extLst>
+          </p:cNvPr>
+          <p:cNvSpPr>
+            <a:spLocks noChangeAspect="1"/>
+          </p:cNvSpPr>
+          <p:nvPr/>
+        </p:nvSpPr>
+        <p:spPr>
+          <a:xfrm>
+            <a:off x="3025611" y="1301840"/>
+            <a:ext cx="210312" cy="210312"/>
+          </a:xfrm>
+          <a:prstGeom prst="flowChartConnector">
+            <a:avLst/>
+          </a:prstGeom>
+        </p:spPr>
+        <p:style>
+          <a:lnRef idx="2">
+            <a:schemeClr val="accent1">
+              <a:shade val="50000"/>
+            </a:schemeClr>
+          </a:lnRef>
+          <a:fillRef idx="1">
+            <a:schemeClr val="accent1"/>
+          </a:fillRef>
+          <a:effectRef idx="0">
+            <a:schemeClr val="accent1"/>
+          </a:effectRef>
+          <a:fontRef idx="minor">
+            <a:schemeClr val="lt1"/>
+          </a:fontRef>
+        </p:style>
+        <p:txBody>
+          <a:bodyPr rtlCol="0" anchor="ctr"/>
+          <a:lstStyle/>
+          <a:p>
+            <a:pPr algn="ctr"/>
+            <a:r>
+              <a:rPr lang="en-US" sz="1400" dirty="0"/>
+              <a:t>1</a:t>
+            </a:r>
+          </a:p>
+        </p:txBody>
+      </p:sp>
+      <p:sp>
+        <p:nvSpPr>
+          <p:cNvPr id="76" name="Flowchart: Connector 75">
+            <a:extLst>
+              <a:ext uri="{FF2B5EF4-FFF2-40B4-BE49-F238E27FC236}">
+                <a16:creationId xmlns:a16="http://schemas.microsoft.com/office/drawing/2014/main" id="{519F89B1-A1B5-C6A0-F99B-7B8C5F6D73F7}"/>
+              </a:ext>
+            </a:extLst>
+          </p:cNvPr>
+          <p:cNvSpPr>
+            <a:spLocks noChangeAspect="1"/>
+          </p:cNvSpPr>
+          <p:nvPr/>
+        </p:nvSpPr>
+        <p:spPr>
+          <a:xfrm>
+            <a:off x="3025611" y="1799102"/>
+            <a:ext cx="210312" cy="210312"/>
+          </a:xfrm>
+          <a:prstGeom prst="flowChartConnector">
+            <a:avLst/>
+          </a:prstGeom>
+        </p:spPr>
+        <p:style>
+          <a:lnRef idx="2">
+            <a:schemeClr val="accent1">
+              <a:shade val="50000"/>
+            </a:schemeClr>
+          </a:lnRef>
+          <a:fillRef idx="1">
+            <a:schemeClr val="accent1"/>
+          </a:fillRef>
+          <a:effectRef idx="0">
+            <a:schemeClr val="accent1"/>
+          </a:effectRef>
+          <a:fontRef idx="minor">
+            <a:schemeClr val="lt1"/>
+          </a:fontRef>
+        </p:style>
+        <p:txBody>
+          <a:bodyPr rtlCol="0" anchor="ctr"/>
+          <a:lstStyle/>
+          <a:p>
+            <a:pPr algn="ctr"/>
+            <a:r>
+              <a:rPr lang="en-US" sz="1400" dirty="0"/>
+              <a:t>2</a:t>
+            </a:r>
+          </a:p>
+        </p:txBody>
+      </p:sp>
+      <p:sp>
+        <p:nvSpPr>
+          <p:cNvPr id="77" name="Flowchart: Connector 76">
+            <a:extLst>
+              <a:ext uri="{FF2B5EF4-FFF2-40B4-BE49-F238E27FC236}">
+                <a16:creationId xmlns:a16="http://schemas.microsoft.com/office/drawing/2014/main" id="{03410C94-9DE3-4D73-0C32-346DEA84C817}"/>
+              </a:ext>
+            </a:extLst>
+          </p:cNvPr>
+          <p:cNvSpPr>
+            <a:spLocks noChangeAspect="1"/>
+          </p:cNvSpPr>
+          <p:nvPr/>
+        </p:nvSpPr>
+        <p:spPr>
+          <a:xfrm>
+            <a:off x="3025611" y="2435102"/>
+            <a:ext cx="210312" cy="210312"/>
+          </a:xfrm>
+          <a:prstGeom prst="flowChartConnector">
+            <a:avLst/>
+          </a:prstGeom>
+        </p:spPr>
+        <p:style>
+          <a:lnRef idx="2">
+            <a:schemeClr val="accent1">
+              <a:shade val="50000"/>
+            </a:schemeClr>
+          </a:lnRef>
+          <a:fillRef idx="1">
+            <a:schemeClr val="accent1"/>
+          </a:fillRef>
+          <a:effectRef idx="0">
+            <a:schemeClr val="accent1"/>
+          </a:effectRef>
+          <a:fontRef idx="minor">
+            <a:schemeClr val="lt1"/>
+          </a:fontRef>
+        </p:style>
+        <p:txBody>
+          <a:bodyPr rtlCol="0" anchor="ctr"/>
+          <a:lstStyle/>
+          <a:p>
+            <a:pPr algn="ctr"/>
+            <a:r>
+              <a:rPr lang="en-US" sz="1400" dirty="0"/>
+              <a:t>3</a:t>
+            </a:r>
+          </a:p>
+        </p:txBody>
+      </p:sp>
+      <p:sp>
+        <p:nvSpPr>
+          <p:cNvPr id="78" name="Flowchart: Connector 77">
+            <a:extLst>
+              <a:ext uri="{FF2B5EF4-FFF2-40B4-BE49-F238E27FC236}">
+                <a16:creationId xmlns:a16="http://schemas.microsoft.com/office/drawing/2014/main" id="{ED504DE2-6239-FE7D-35C4-FB27CA3CE406}"/>
+              </a:ext>
+            </a:extLst>
+          </p:cNvPr>
+          <p:cNvSpPr>
+            <a:spLocks noChangeAspect="1"/>
+          </p:cNvSpPr>
+          <p:nvPr/>
+        </p:nvSpPr>
+        <p:spPr>
+          <a:xfrm>
+            <a:off x="3025611" y="3054438"/>
+            <a:ext cx="210312" cy="210312"/>
+          </a:xfrm>
+          <a:prstGeom prst="flowChartConnector">
+            <a:avLst/>
+          </a:prstGeom>
+        </p:spPr>
+        <p:style>
+          <a:lnRef idx="2">
+            <a:schemeClr val="accent1">
+              <a:shade val="50000"/>
+            </a:schemeClr>
+          </a:lnRef>
+          <a:fillRef idx="1">
+            <a:schemeClr val="accent1"/>
+          </a:fillRef>
+          <a:effectRef idx="0">
+            <a:schemeClr val="accent1"/>
+          </a:effectRef>
+          <a:fontRef idx="minor">
+            <a:schemeClr val="lt1"/>
+          </a:fontRef>
+        </p:style>
+        <p:txBody>
+          <a:bodyPr rtlCol="0" anchor="ctr"/>
+          <a:lstStyle/>
+          <a:p>
+            <a:pPr algn="ctr"/>
+            <a:r>
+              <a:rPr lang="en-US" sz="1400" dirty="0"/>
+              <a:t>4</a:t>
+            </a:r>
+          </a:p>
+        </p:txBody>
+      </p:sp>
+      <p:sp>
+        <p:nvSpPr>
+          <p:cNvPr id="79" name="Flowchart: Connector 78">
+            <a:extLst>
+              <a:ext uri="{FF2B5EF4-FFF2-40B4-BE49-F238E27FC236}">
+                <a16:creationId xmlns:a16="http://schemas.microsoft.com/office/drawing/2014/main" id="{845E0962-9AED-BE67-88A8-E889BF09F31A}"/>
+              </a:ext>
+            </a:extLst>
+          </p:cNvPr>
+          <p:cNvSpPr>
+            <a:spLocks noChangeAspect="1"/>
+          </p:cNvSpPr>
+          <p:nvPr/>
+        </p:nvSpPr>
+        <p:spPr>
+          <a:xfrm>
+            <a:off x="3025611" y="3709309"/>
+            <a:ext cx="210312" cy="210312"/>
+          </a:xfrm>
+          <a:prstGeom prst="flowChartConnector">
+            <a:avLst/>
+          </a:prstGeom>
+        </p:spPr>
+        <p:style>
+          <a:lnRef idx="2">
+            <a:schemeClr val="accent1">
+              <a:shade val="50000"/>
+            </a:schemeClr>
+          </a:lnRef>
+          <a:fillRef idx="1">
+            <a:schemeClr val="accent1"/>
+          </a:fillRef>
+          <a:effectRef idx="0">
+            <a:schemeClr val="accent1"/>
+          </a:effectRef>
+          <a:fontRef idx="minor">
+            <a:schemeClr val="lt1"/>
+          </a:fontRef>
+        </p:style>
+        <p:txBody>
+          <a:bodyPr rtlCol="0" anchor="ctr"/>
+          <a:lstStyle/>
+          <a:p>
+            <a:pPr algn="ctr"/>
+            <a:r>
+              <a:rPr lang="en-US" sz="1400" dirty="0"/>
+              <a:t>5</a:t>
+            </a:r>
+          </a:p>
+        </p:txBody>
+      </p:sp>
+      <p:cxnSp>
+        <p:nvCxnSpPr>
+          <p:cNvPr id="92" name="Straight Arrow Connector 91">
+            <a:extLst>
+              <a:ext uri="{FF2B5EF4-FFF2-40B4-BE49-F238E27FC236}">
+                <a16:creationId xmlns:a16="http://schemas.microsoft.com/office/drawing/2014/main" id="{14377EA5-B355-B8EA-D2B0-BB0D86D4D4A6}"/>
+              </a:ext>
+            </a:extLst>
+          </p:cNvPr>
+          <p:cNvCxnSpPr>
+            <a:cxnSpLocks/>
+          </p:cNvCxnSpPr>
+          <p:nvPr/>
+        </p:nvCxnSpPr>
+        <p:spPr>
+          <a:xfrm>
+            <a:off x="7783280" y="3821743"/>
+            <a:ext cx="612648" cy="5060"/>
+          </a:xfrm>
+          <a:prstGeom prst="straightConnector1">
+            <a:avLst/>
+          </a:prstGeom>
+          <a:ln w="34925">
+            <a:solidFill>
+              <a:schemeClr val="tx1"/>
+            </a:solidFill>
+            <a:headEnd type="triangle"/>
+            <a:tailEnd type="none"/>
+          </a:ln>
+        </p:spPr>
+        <p:style>
+          <a:lnRef idx="1">
+            <a:schemeClr val="accent1"/>
+          </a:lnRef>
+          <a:fillRef idx="0">
+            <a:schemeClr val="accent1"/>
+          </a:fillRef>
+          <a:effectRef idx="0">
+            <a:schemeClr val="accent1"/>
+          </a:effectRef>
+          <a:fontRef idx="minor">
+            <a:schemeClr val="tx1"/>
+          </a:fontRef>
+        </p:style>
+      </p:cxnSp>
+      <p:grpSp>
+        <p:nvGrpSpPr>
+          <p:cNvPr id="98" name="Group 97">
+            <a:extLst>
+              <a:ext uri="{FF2B5EF4-FFF2-40B4-BE49-F238E27FC236}">
+                <a16:creationId xmlns:a16="http://schemas.microsoft.com/office/drawing/2014/main" id="{A61D80ED-580A-32E9-8338-19187B645CE0}"/>
+              </a:ext>
+            </a:extLst>
+          </p:cNvPr>
+          <p:cNvGrpSpPr/>
+          <p:nvPr/>
+        </p:nvGrpSpPr>
+        <p:grpSpPr>
+          <a:xfrm>
+            <a:off x="4777954" y="4207597"/>
+            <a:ext cx="2485260" cy="461551"/>
+            <a:chOff x="4502478" y="541075"/>
+            <a:chExt cx="2485260" cy="461551"/>
+          </a:xfrm>
+        </p:grpSpPr>
+        <p:cxnSp>
+          <p:nvCxnSpPr>
+            <p:cNvPr id="99" name="Straight Arrow Connector 98">
+              <a:extLst>
+                <a:ext uri="{FF2B5EF4-FFF2-40B4-BE49-F238E27FC236}">
+                  <a16:creationId xmlns:a16="http://schemas.microsoft.com/office/drawing/2014/main" id="{376C854B-6E37-B389-6F8E-89F9AD5CAEDC}"/>
+                </a:ext>
+              </a:extLst>
+            </p:cNvPr>
+            <p:cNvCxnSpPr>
+              <a:cxnSpLocks/>
+            </p:cNvCxnSpPr>
+            <p:nvPr/>
+          </p:nvCxnSpPr>
+          <p:spPr>
+            <a:xfrm>
+              <a:off x="5762008" y="819746"/>
+              <a:ext cx="0" cy="182880"/>
+            </a:xfrm>
+            <a:prstGeom prst="straightConnector1">
+              <a:avLst/>
+            </a:prstGeom>
+            <a:ln w="28575">
+              <a:solidFill>
+                <a:srgbClr val="0070C0"/>
+              </a:solidFill>
+              <a:prstDash val="sysDash"/>
+              <a:tailEnd type="triangle"/>
+            </a:ln>
+          </p:spPr>
+          <p:style>
+            <a:lnRef idx="1">
+              <a:schemeClr val="accent1"/>
+            </a:lnRef>
+            <a:fillRef idx="0">
+              <a:schemeClr val="accent1"/>
+            </a:fillRef>
+            <a:effectRef idx="0">
+              <a:schemeClr val="accent1"/>
+            </a:effectRef>
+            <a:fontRef idx="minor">
+              <a:schemeClr val="tx1"/>
+            </a:fontRef>
+          </p:style>
+        </p:cxnSp>
+        <p:sp>
+          <p:nvSpPr>
+            <p:cNvPr id="100" name="TextBox 99">
+              <a:extLst>
+                <a:ext uri="{FF2B5EF4-FFF2-40B4-BE49-F238E27FC236}">
+                  <a16:creationId xmlns:a16="http://schemas.microsoft.com/office/drawing/2014/main" id="{A1903F8C-FEEF-A949-BB52-2767A841342A}"/>
+                </a:ext>
+              </a:extLst>
+            </p:cNvPr>
+            <p:cNvSpPr txBox="1"/>
+            <p:nvPr/>
+          </p:nvSpPr>
+          <p:spPr>
+            <a:xfrm>
+              <a:off x="4502478" y="541075"/>
+              <a:ext cx="2485260" cy="307777"/>
+            </a:xfrm>
+            <a:prstGeom prst="rect">
+              <a:avLst/>
+            </a:prstGeom>
+            <a:noFill/>
+          </p:spPr>
+          <p:txBody>
+            <a:bodyPr wrap="square" rtlCol="0">
+              <a:spAutoFit/>
+            </a:bodyPr>
+            <a:lstStyle/>
+            <a:p>
+              <a:pPr algn="ctr"/>
+              <a:r>
+                <a:rPr lang="en-US" sz="1400" b="1" i="1" dirty="0"/>
+                <a:t>Continue to PAS if appropriate</a:t>
+              </a:r>
+            </a:p>
+          </p:txBody>
+        </p:sp>
+      </p:grpSp>
+      <p:grpSp>
+        <p:nvGrpSpPr>
+          <p:cNvPr id="101" name="Group 100">
+            <a:extLst>
+              <a:ext uri="{FF2B5EF4-FFF2-40B4-BE49-F238E27FC236}">
+                <a16:creationId xmlns:a16="http://schemas.microsoft.com/office/drawing/2014/main" id="{6ECCAB0C-9F3C-501B-47C9-A73D19D50365}"/>
+              </a:ext>
+            </a:extLst>
+          </p:cNvPr>
+          <p:cNvGrpSpPr/>
+          <p:nvPr/>
+        </p:nvGrpSpPr>
+        <p:grpSpPr>
+          <a:xfrm>
+            <a:off x="8309439" y="2804285"/>
+            <a:ext cx="1496834" cy="1395767"/>
+            <a:chOff x="8309439" y="2804285"/>
+            <a:chExt cx="1496834" cy="1395767"/>
+          </a:xfrm>
+        </p:grpSpPr>
+        <p:sp>
+          <p:nvSpPr>
+            <p:cNvPr id="52" name="Flowchart: Connector 51">
+              <a:extLst>
+                <a:ext uri="{FF2B5EF4-FFF2-40B4-BE49-F238E27FC236}">
+                  <a16:creationId xmlns:a16="http://schemas.microsoft.com/office/drawing/2014/main" id="{3AA96FE2-625B-9C12-6A35-89BEADCEFAC3}"/>
+                </a:ext>
+              </a:extLst>
+            </p:cNvPr>
+            <p:cNvSpPr/>
+            <p:nvPr/>
+          </p:nvSpPr>
+          <p:spPr>
+            <a:xfrm>
+              <a:off x="8309439" y="2804285"/>
+              <a:ext cx="1496834" cy="1395767"/>
+            </a:xfrm>
+            <a:prstGeom prst="flowChartConnector">
+              <a:avLst/>
+            </a:prstGeom>
+            <a:solidFill>
+              <a:schemeClr val="bg1"/>
+            </a:solidFill>
+          </p:spPr>
+          <p:style>
+            <a:lnRef idx="2">
+              <a:schemeClr val="accent1">
+                <a:shade val="50000"/>
+              </a:schemeClr>
+            </a:lnRef>
+            <a:fillRef idx="1">
+              <a:schemeClr val="accent1"/>
+            </a:fillRef>
+            <a:effectRef idx="0">
+              <a:schemeClr val="accent1"/>
+            </a:effectRef>
+            <a:fontRef idx="minor">
+              <a:schemeClr val="lt1"/>
+            </a:fontRef>
+          </p:style>
+          <p:txBody>
+            <a:bodyPr lIns="0" rIns="0" rtlCol="0" anchor="ctr"/>
+            <a:lstStyle/>
+            <a:p>
+              <a:pPr algn="ctr"/>
+              <a:r>
+                <a:rPr lang="en-US" sz="1200" b="1" dirty="0">
+                  <a:solidFill>
+                    <a:schemeClr val="tx1"/>
+                  </a:solidFill>
+                </a:rPr>
+                <a:t>Process</a:t>
+              </a:r>
+            </a:p>
+            <a:p>
+              <a:pPr algn="ctr"/>
+              <a:r>
+                <a:rPr lang="en-US" sz="1200" b="1" dirty="0">
+                  <a:solidFill>
+                    <a:schemeClr val="tx1"/>
+                  </a:solidFill>
+                </a:rPr>
+                <a:t>Questionnaire</a:t>
+              </a:r>
+            </a:p>
+            <a:p>
+              <a:pPr algn="ctr"/>
+              <a:endParaRPr lang="en-US" sz="900" b="1" dirty="0">
+                <a:solidFill>
+                  <a:schemeClr val="tx1"/>
+                </a:solidFill>
+              </a:endParaRPr>
+            </a:p>
+            <a:p>
+              <a:pPr algn="ctr"/>
+              <a:endParaRPr lang="en-US" sz="900" b="1" dirty="0">
+                <a:solidFill>
+                  <a:schemeClr val="tx1"/>
+                </a:solidFill>
+              </a:endParaRPr>
+            </a:p>
+            <a:p>
+              <a:pPr algn="ctr"/>
+              <a:endParaRPr lang="en-US" sz="900" b="1" dirty="0">
+                <a:solidFill>
+                  <a:schemeClr val="tx1"/>
+                </a:solidFill>
+              </a:endParaRPr>
+            </a:p>
+          </p:txBody>
+        </p:sp>
+        <p:sp>
+          <p:nvSpPr>
+            <p:cNvPr id="54" name="TextBox 53">
+              <a:extLst>
+                <a:ext uri="{FF2B5EF4-FFF2-40B4-BE49-F238E27FC236}">
+                  <a16:creationId xmlns:a16="http://schemas.microsoft.com/office/drawing/2014/main" id="{D9354DFF-05C6-EAB4-7DA7-87D9F9CF3DE5}"/>
+                </a:ext>
+              </a:extLst>
+            </p:cNvPr>
+            <p:cNvSpPr txBox="1"/>
+            <p:nvPr/>
+          </p:nvSpPr>
+          <p:spPr>
+            <a:xfrm>
+              <a:off x="8436445" y="3596065"/>
+              <a:ext cx="1242821" cy="400110"/>
+            </a:xfrm>
+            <a:prstGeom prst="rect">
+              <a:avLst/>
+            </a:prstGeom>
+            <a:noFill/>
+          </p:spPr>
+          <p:txBody>
+            <a:bodyPr wrap="square">
+              <a:spAutoFit/>
+            </a:bodyPr>
+            <a:lstStyle/>
+            <a:p>
+              <a:pPr marL="0" marR="0" lvl="0" indent="0" algn="ctr" defTabSz="914400" rtl="0" eaLnBrk="1" fontAlgn="auto" latinLnBrk="0" hangingPunct="1">
+                <a:lnSpc>
+                  <a:spcPct val="100000"/>
+                </a:lnSpc>
+                <a:spcBef>
+                  <a:spcPts val="0"/>
+                </a:spcBef>
+                <a:spcAft>
+                  <a:spcPts val="0"/>
+                </a:spcAft>
+                <a:buClrTx/>
+                <a:buSzTx/>
+                <a:buFontTx/>
+                <a:buNone/>
+                <a:tabLst/>
+                <a:defRPr/>
+              </a:pPr>
+              <a:r>
+                <a:rPr kumimoji="0" lang="en-US" sz="1000" b="0" i="1" u="none" strike="noStrike" kern="1200" cap="none" spc="0" normalizeH="0" baseline="0" noProof="0" dirty="0">
+                  <a:ln>
+                    <a:noFill/>
+                  </a:ln>
+                  <a:solidFill>
+                    <a:srgbClr val="0070C0"/>
+                  </a:solidFill>
+                  <a:effectLst/>
+                  <a:uLnTx/>
+                  <a:uFillTx/>
+                  <a:latin typeface="Calibri" panose="020F0502020204030204"/>
+                  <a:ea typeface="+mn-ea"/>
+                  <a:cs typeface="+mn-cs"/>
+                </a:rPr>
+                <a:t>Pre-populate</a:t>
+              </a:r>
+            </a:p>
+            <a:p>
+              <a:pPr marL="0" marR="0" lvl="0" indent="0" algn="ctr" defTabSz="914400" rtl="0" eaLnBrk="1" fontAlgn="auto" latinLnBrk="0" hangingPunct="1">
+                <a:lnSpc>
+                  <a:spcPct val="100000"/>
+                </a:lnSpc>
+                <a:spcBef>
+                  <a:spcPts val="0"/>
+                </a:spcBef>
+                <a:spcAft>
+                  <a:spcPts val="0"/>
+                </a:spcAft>
+                <a:buClrTx/>
+                <a:buSzTx/>
+                <a:buFontTx/>
+                <a:buNone/>
+                <a:tabLst/>
+                <a:defRPr/>
+              </a:pPr>
+              <a:r>
+                <a:rPr kumimoji="0" lang="en-US" sz="1000" b="0" i="1" u="none" strike="noStrike" kern="1200" cap="none" spc="0" normalizeH="0" baseline="0" noProof="0" dirty="0">
+                  <a:ln>
+                    <a:noFill/>
+                  </a:ln>
+                  <a:solidFill>
+                    <a:srgbClr val="0070C0"/>
+                  </a:solidFill>
+                  <a:effectLst/>
+                  <a:uLnTx/>
+                  <a:uFillTx/>
+                  <a:latin typeface="Calibri" panose="020F0502020204030204"/>
+                  <a:ea typeface="+mn-ea"/>
+                  <a:cs typeface="+mn-cs"/>
+                </a:rPr>
+                <a:t>UI Interactions</a:t>
+              </a:r>
+            </a:p>
+          </p:txBody>
+        </p:sp>
+      </p:grpSp>
+    </p:spTree>
+    <p:extLst>
+      <p:ext uri="{BB962C8B-B14F-4D97-AF65-F5344CB8AC3E}">
+        <p14:creationId xmlns:p14="http://schemas.microsoft.com/office/powerpoint/2010/main" val="3542230602"/>
+      </p:ext>
+    </p:extLst>
+  </p:cSld>
+  <p:clrMapOvr>
+    <a:masterClrMapping/>
+  </p:clrMapOvr>
+</p:sld>
+</file>
+
+<file path=ppt/slides/slide5.xml><?xml version="1.0" encoding="utf-8"?>
 <p:sld xmlns:a="http://schemas.openxmlformats.org/drawingml/2006/main" xmlns:r="http://schemas.openxmlformats.org/officeDocument/2006/relationships" xmlns:p="http://schemas.openxmlformats.org/presentationml/2006/main">
   <p:cSld>
     <p:spTree>
@@ -15155,6 +19333,51 @@
           </a:p>
         </p:txBody>
       </p:sp>
+      <p:sp>
+        <p:nvSpPr>
+          <p:cNvPr id="8" name="TextBox 7">
+            <a:extLst>
+              <a:ext uri="{FF2B5EF4-FFF2-40B4-BE49-F238E27FC236}">
+                <a16:creationId xmlns:a16="http://schemas.microsoft.com/office/drawing/2014/main" id="{6C5C7145-2682-CE9D-862C-C8489949E056}"/>
+              </a:ext>
+            </a:extLst>
+          </p:cNvPr>
+          <p:cNvSpPr txBox="1"/>
+          <p:nvPr/>
+        </p:nvSpPr>
+        <p:spPr>
+          <a:xfrm rot="20291023">
+            <a:off x="7697431" y="1608698"/>
+            <a:ext cx="3576019" cy="1569660"/>
+          </a:xfrm>
+          <a:prstGeom prst="rect">
+            <a:avLst/>
+          </a:prstGeom>
+          <a:noFill/>
+        </p:spPr>
+        <p:txBody>
+          <a:bodyPr wrap="square" rtlCol="0">
+            <a:spAutoFit/>
+          </a:bodyPr>
+          <a:lstStyle/>
+          <a:p>
+            <a:pPr algn="ctr"/>
+            <a:r>
+              <a:rPr lang="en-US" sz="4800" b="1" dirty="0">
+                <a:solidFill>
+                  <a:schemeClr val="accent4">
+                    <a:lumMod val="50000"/>
+                  </a:schemeClr>
+                </a:solidFill>
+                <a:latin typeface="ADLaM Display" panose="02010000000000000000" pitchFamily="2" charset="0"/>
+                <a:ea typeface="ADLaM Display" panose="02010000000000000000" pitchFamily="2" charset="0"/>
+                <a:cs typeface="ADLaM Display" panose="02010000000000000000" pitchFamily="2" charset="0"/>
+              </a:rPr>
+              <a:t>ORIGINAL VERSION</a:t>
+            </a:r>
+          </a:p>
+        </p:txBody>
+      </p:sp>
     </p:spTree>
     <p:extLst>
       <p:ext uri="{BB962C8B-B14F-4D97-AF65-F5344CB8AC3E}">
@@ -15463,6 +19686,321 @@
 </a:theme>
 </file>
 
+<file path=ppt/theme/theme2.xml><?xml version="1.0" encoding="utf-8"?>
+<a:theme xmlns:a="http://schemas.openxmlformats.org/drawingml/2006/main" name="Office Theme">
+  <a:themeElements>
+    <a:clrScheme name="Office">
+      <a:dk1>
+        <a:sysClr val="windowText" lastClr="000000"/>
+      </a:dk1>
+      <a:lt1>
+        <a:sysClr val="window" lastClr="FFFFFF"/>
+      </a:lt1>
+      <a:dk2>
+        <a:srgbClr val="0E2841"/>
+      </a:dk2>
+      <a:lt2>
+        <a:srgbClr val="E8E8E8"/>
+      </a:lt2>
+      <a:accent1>
+        <a:srgbClr val="156082"/>
+      </a:accent1>
+      <a:accent2>
+        <a:srgbClr val="E97132"/>
+      </a:accent2>
+      <a:accent3>
+        <a:srgbClr val="196B24"/>
+      </a:accent3>
+      <a:accent4>
+        <a:srgbClr val="0F9ED5"/>
+      </a:accent4>
+      <a:accent5>
+        <a:srgbClr val="A02B93"/>
+      </a:accent5>
+      <a:accent6>
+        <a:srgbClr val="4EA72E"/>
+      </a:accent6>
+      <a:hlink>
+        <a:srgbClr val="467886"/>
+      </a:hlink>
+      <a:folHlink>
+        <a:srgbClr val="96607D"/>
+      </a:folHlink>
+    </a:clrScheme>
+    <a:fontScheme name="Office">
+      <a:majorFont>
+        <a:latin typeface="Aptos Display" panose="02110004020202020204"/>
+        <a:ea typeface=""/>
+        <a:cs typeface=""/>
+        <a:font script="Jpan" typeface="游ゴシック Light"/>
+        <a:font script="Hang" typeface="맑은 고딕"/>
+        <a:font script="Hans" typeface="等线 Light"/>
+        <a:font script="Hant" typeface="新細明體"/>
+        <a:font script="Arab" typeface="Times New Roman"/>
+        <a:font script="Hebr" typeface="Times New Roman"/>
+        <a:font script="Thai" typeface="Angsana New"/>
+        <a:font script="Ethi" typeface="Nyala"/>
+        <a:font script="Beng" typeface="Vrinda"/>
+        <a:font script="Gujr" typeface="Shruti"/>
+        <a:font script="Khmr" typeface="MoolBoran"/>
+        <a:font script="Knda" typeface="Tunga"/>
+        <a:font script="Guru" typeface="Raavi"/>
+        <a:font script="Cans" typeface="Euphemia"/>
+        <a:font script="Cher" typeface="Plantagenet Cherokee"/>
+        <a:font script="Yiii" typeface="Microsoft Yi Baiti"/>
+        <a:font script="Tibt" typeface="Microsoft Himalaya"/>
+        <a:font script="Thaa" typeface="MV Boli"/>
+        <a:font script="Deva" typeface="Mangal"/>
+        <a:font script="Telu" typeface="Gautami"/>
+        <a:font script="Taml" typeface="Latha"/>
+        <a:font script="Syrc" typeface="Estrangelo Edessa"/>
+        <a:font script="Orya" typeface="Kalinga"/>
+        <a:font script="Mlym" typeface="Kartika"/>
+        <a:font script="Laoo" typeface="DokChampa"/>
+        <a:font script="Sinh" typeface="Iskoola Pota"/>
+        <a:font script="Mong" typeface="Mongolian Baiti"/>
+        <a:font script="Viet" typeface="Times New Roman"/>
+        <a:font script="Uigh" typeface="Microsoft Uighur"/>
+        <a:font script="Geor" typeface="Sylfaen"/>
+        <a:font script="Armn" typeface="Arial"/>
+        <a:font script="Bugi" typeface="Leelawadee UI"/>
+        <a:font script="Bopo" typeface="Microsoft JhengHei"/>
+        <a:font script="Java" typeface="Javanese Text"/>
+        <a:font script="Lisu" typeface="Segoe UI"/>
+        <a:font script="Mymr" typeface="Myanmar Text"/>
+        <a:font script="Nkoo" typeface="Ebrima"/>
+        <a:font script="Olck" typeface="Nirmala UI"/>
+        <a:font script="Osma" typeface="Ebrima"/>
+        <a:font script="Phag" typeface="Phagspa"/>
+        <a:font script="Syrn" typeface="Estrangelo Edessa"/>
+        <a:font script="Syrj" typeface="Estrangelo Edessa"/>
+        <a:font script="Syre" typeface="Estrangelo Edessa"/>
+        <a:font script="Sora" typeface="Nirmala UI"/>
+        <a:font script="Tale" typeface="Microsoft Tai Le"/>
+        <a:font script="Talu" typeface="Microsoft New Tai Lue"/>
+        <a:font script="Tfng" typeface="Ebrima"/>
+      </a:majorFont>
+      <a:minorFont>
+        <a:latin typeface="Aptos" panose="02110004020202020204"/>
+        <a:ea typeface=""/>
+        <a:cs typeface=""/>
+        <a:font script="Jpan" typeface="游ゴシック"/>
+        <a:font script="Hang" typeface="맑은 고딕"/>
+        <a:font script="Hans" typeface="等线"/>
+        <a:font script="Hant" typeface="新細明體"/>
+        <a:font script="Arab" typeface="Arial"/>
+        <a:font script="Hebr" typeface="Arial"/>
+        <a:font script="Thai" typeface="Cordia New"/>
+        <a:font script="Ethi" typeface="Nyala"/>
+        <a:font script="Beng" typeface="Vrinda"/>
+        <a:font script="Gujr" typeface="Shruti"/>
+        <a:font script="Khmr" typeface="DaunPenh"/>
+        <a:font script="Knda" typeface="Tunga"/>
+        <a:font script="Guru" typeface="Raavi"/>
+        <a:font script="Cans" typeface="Euphemia"/>
+        <a:font script="Cher" typeface="Plantagenet Cherokee"/>
+        <a:font script="Yiii" typeface="Microsoft Yi Baiti"/>
+        <a:font script="Tibt" typeface="Microsoft Himalaya"/>
+        <a:font script="Thaa" typeface="MV Boli"/>
+        <a:font script="Deva" typeface="Mangal"/>
+        <a:font script="Telu" typeface="Gautami"/>
+        <a:font script="Taml" typeface="Latha"/>
+        <a:font script="Syrc" typeface="Estrangelo Edessa"/>
+        <a:font script="Orya" typeface="Kalinga"/>
+        <a:font script="Mlym" typeface="Kartika"/>
+        <a:font script="Laoo" typeface="DokChampa"/>
+        <a:font script="Sinh" typeface="Iskoola Pota"/>
+        <a:font script="Mong" typeface="Mongolian Baiti"/>
+        <a:font script="Viet" typeface="Arial"/>
+        <a:font script="Uigh" typeface="Microsoft Uighur"/>
+        <a:font script="Geor" typeface="Sylfaen"/>
+        <a:font script="Armn" typeface="Arial"/>
+        <a:font script="Bugi" typeface="Leelawadee UI"/>
+        <a:font script="Bopo" typeface="Microsoft JhengHei"/>
+        <a:font script="Java" typeface="Javanese Text"/>
+        <a:font script="Lisu" typeface="Segoe UI"/>
+        <a:font script="Mymr" typeface="Myanmar Text"/>
+        <a:font script="Nkoo" typeface="Ebrima"/>
+        <a:font script="Olck" typeface="Nirmala UI"/>
+        <a:font script="Osma" typeface="Ebrima"/>
+        <a:font script="Phag" typeface="Phagspa"/>
+        <a:font script="Syrn" typeface="Estrangelo Edessa"/>
+        <a:font script="Syrj" typeface="Estrangelo Edessa"/>
+        <a:font script="Syre" typeface="Estrangelo Edessa"/>
+        <a:font script="Sora" typeface="Nirmala UI"/>
+        <a:font script="Tale" typeface="Microsoft Tai Le"/>
+        <a:font script="Talu" typeface="Microsoft New Tai Lue"/>
+        <a:font script="Tfng" typeface="Ebrima"/>
+      </a:minorFont>
+    </a:fontScheme>
+    <a:fmtScheme name="Office">
+      <a:fillStyleLst>
+        <a:solidFill>
+          <a:schemeClr val="phClr"/>
+        </a:solidFill>
+        <a:gradFill rotWithShape="1">
+          <a:gsLst>
+            <a:gs pos="0">
+              <a:schemeClr val="phClr">
+                <a:lumMod val="110000"/>
+                <a:satMod val="105000"/>
+                <a:tint val="67000"/>
+              </a:schemeClr>
+            </a:gs>
+            <a:gs pos="50000">
+              <a:schemeClr val="phClr">
+                <a:lumMod val="105000"/>
+                <a:satMod val="103000"/>
+                <a:tint val="73000"/>
+              </a:schemeClr>
+            </a:gs>
+            <a:gs pos="100000">
+              <a:schemeClr val="phClr">
+                <a:lumMod val="105000"/>
+                <a:satMod val="109000"/>
+                <a:tint val="81000"/>
+              </a:schemeClr>
+            </a:gs>
+          </a:gsLst>
+          <a:lin ang="5400000" scaled="0"/>
+        </a:gradFill>
+        <a:gradFill rotWithShape="1">
+          <a:gsLst>
+            <a:gs pos="0">
+              <a:schemeClr val="phClr">
+                <a:satMod val="103000"/>
+                <a:lumMod val="102000"/>
+                <a:tint val="94000"/>
+              </a:schemeClr>
+            </a:gs>
+            <a:gs pos="50000">
+              <a:schemeClr val="phClr">
+                <a:satMod val="110000"/>
+                <a:lumMod val="100000"/>
+                <a:shade val="100000"/>
+              </a:schemeClr>
+            </a:gs>
+            <a:gs pos="100000">
+              <a:schemeClr val="phClr">
+                <a:lumMod val="99000"/>
+                <a:satMod val="120000"/>
+                <a:shade val="78000"/>
+              </a:schemeClr>
+            </a:gs>
+          </a:gsLst>
+          <a:lin ang="5400000" scaled="0"/>
+        </a:gradFill>
+      </a:fillStyleLst>
+      <a:lnStyleLst>
+        <a:ln w="12700" cap="flat" cmpd="sng" algn="ctr">
+          <a:solidFill>
+            <a:schemeClr val="phClr"/>
+          </a:solidFill>
+          <a:prstDash val="solid"/>
+          <a:miter lim="800000"/>
+        </a:ln>
+        <a:ln w="19050" cap="flat" cmpd="sng" algn="ctr">
+          <a:solidFill>
+            <a:schemeClr val="phClr"/>
+          </a:solidFill>
+          <a:prstDash val="solid"/>
+          <a:miter lim="800000"/>
+        </a:ln>
+        <a:ln w="25400" cap="flat" cmpd="sng" algn="ctr">
+          <a:solidFill>
+            <a:schemeClr val="phClr"/>
+          </a:solidFill>
+          <a:prstDash val="solid"/>
+          <a:miter lim="800000"/>
+        </a:ln>
+      </a:lnStyleLst>
+      <a:effectStyleLst>
+        <a:effectStyle>
+          <a:effectLst/>
+        </a:effectStyle>
+        <a:effectStyle>
+          <a:effectLst/>
+        </a:effectStyle>
+        <a:effectStyle>
+          <a:effectLst>
+            <a:outerShdw blurRad="57150" dist="19050" dir="5400000" algn="ctr" rotWithShape="0">
+              <a:srgbClr val="000000">
+                <a:alpha val="63000"/>
+              </a:srgbClr>
+            </a:outerShdw>
+          </a:effectLst>
+        </a:effectStyle>
+      </a:effectStyleLst>
+      <a:bgFillStyleLst>
+        <a:solidFill>
+          <a:schemeClr val="phClr"/>
+        </a:solidFill>
+        <a:solidFill>
+          <a:schemeClr val="phClr">
+            <a:tint val="95000"/>
+            <a:satMod val="170000"/>
+          </a:schemeClr>
+        </a:solidFill>
+        <a:gradFill rotWithShape="1">
+          <a:gsLst>
+            <a:gs pos="0">
+              <a:schemeClr val="phClr">
+                <a:tint val="93000"/>
+                <a:satMod val="150000"/>
+                <a:shade val="98000"/>
+                <a:lumMod val="102000"/>
+              </a:schemeClr>
+            </a:gs>
+            <a:gs pos="50000">
+              <a:schemeClr val="phClr">
+                <a:tint val="98000"/>
+                <a:satMod val="130000"/>
+                <a:shade val="90000"/>
+                <a:lumMod val="103000"/>
+              </a:schemeClr>
+            </a:gs>
+            <a:gs pos="100000">
+              <a:schemeClr val="phClr">
+                <a:shade val="63000"/>
+                <a:satMod val="120000"/>
+              </a:schemeClr>
+            </a:gs>
+          </a:gsLst>
+          <a:lin ang="5400000" scaled="0"/>
+        </a:gradFill>
+      </a:bgFillStyleLst>
+    </a:fmtScheme>
+  </a:themeElements>
+  <a:objectDefaults>
+    <a:lnDef>
+      <a:spPr/>
+      <a:bodyPr/>
+      <a:lstStyle/>
+      <a:style>
+        <a:lnRef idx="2">
+          <a:schemeClr val="accent1"/>
+        </a:lnRef>
+        <a:fillRef idx="0">
+          <a:schemeClr val="accent1"/>
+        </a:fillRef>
+        <a:effectRef idx="1">
+          <a:schemeClr val="accent1"/>
+        </a:effectRef>
+        <a:fontRef idx="minor">
+          <a:schemeClr val="tx1"/>
+        </a:fontRef>
+      </a:style>
+    </a:lnDef>
+  </a:objectDefaults>
+  <a:extraClrSchemeLst/>
+  <a:extLst>
+    <a:ext uri="{05A4C25C-085E-4340-85A3-A5531E510DB2}">
+      <thm15:themeFamily xmlns:thm15="http://schemas.microsoft.com/office/thememl/2012/main" name="Office Theme" id="{2E142A2C-CD16-42D6-873A-C26D2A0506FA}" vid="{1BDDFF52-6CD6-40A5-AB3C-68EB2F1E4D0A}"/>
+    </a:ext>
+  </a:extLst>
+</a:theme>
+</file>
+
 <file path=docMetadata/LabelInfo.xml><?xml version="1.0" encoding="utf-8"?>
 <clbl:labelList xmlns:clbl="http://schemas.microsoft.com/office/2020/mipLabelMetadata">
   <clbl:label id="{b1851626-05c4-426e-b768-1c35733f6fea}" enabled="1" method="Standard" siteId="{fbc493a8-0d24-4454-a815-f4ca58e8c09d}" removed="0"/>
